--- a/初学者指南/2测试数据与对拍.pptx
+++ b/初学者指南/2测试数据与对拍.pptx
@@ -1,27 +1,27 @@
 
 <file path=ppt/presentation.xml><?xml version="1.0" encoding="utf-8"?>
-<p:presentation xmlns:a="http://schemas.openxmlformats.org/drawingml/2006/main" xmlns:r="http://schemas.openxmlformats.org/officeDocument/2006/relationships" xmlns:p="http://schemas.openxmlformats.org/presentationml/2006/main" showSpecialPlsOnTitleSld="0" saveSubsetFonts="1">
+<p:presentation xmlns:a="http://schemas.openxmlformats.org/drawingml/2006/main" xmlns:r="http://schemas.openxmlformats.org/officeDocument/2006/relationships" xmlns:p="http://schemas.openxmlformats.org/presentationml/2006/main" showSpecialPlsOnTitleSld="0">
   <p:sldMasterIdLst>
-    <p:sldMasterId id="2147483660" r:id="rId1"/>
+    <p:sldMasterId id="2147483648" r:id="rId1"/>
   </p:sldMasterIdLst>
   <p:notesMasterIdLst>
-    <p:notesMasterId r:id="rId16"/>
+    <p:notesMasterId r:id="rId17"/>
   </p:notesMasterIdLst>
   <p:sldIdLst>
-    <p:sldId id="256" r:id="rId2"/>
-    <p:sldId id="262" r:id="rId3"/>
-    <p:sldId id="258" r:id="rId4"/>
-    <p:sldId id="259" r:id="rId5"/>
-    <p:sldId id="268" r:id="rId6"/>
-    <p:sldId id="260" r:id="rId7"/>
-    <p:sldId id="264" r:id="rId8"/>
-    <p:sldId id="263" r:id="rId9"/>
-    <p:sldId id="261" r:id="rId10"/>
-    <p:sldId id="265" r:id="rId11"/>
-    <p:sldId id="269" r:id="rId12"/>
-    <p:sldId id="266" r:id="rId13"/>
-    <p:sldId id="267" r:id="rId14"/>
-    <p:sldId id="257" r:id="rId15"/>
+    <p:sldId id="256" r:id="rId3"/>
+    <p:sldId id="262" r:id="rId4"/>
+    <p:sldId id="258" r:id="rId5"/>
+    <p:sldId id="259" r:id="rId6"/>
+    <p:sldId id="268" r:id="rId7"/>
+    <p:sldId id="260" r:id="rId8"/>
+    <p:sldId id="264" r:id="rId9"/>
+    <p:sldId id="263" r:id="rId10"/>
+    <p:sldId id="261" r:id="rId11"/>
+    <p:sldId id="265" r:id="rId12"/>
+    <p:sldId id="269" r:id="rId13"/>
+    <p:sldId id="266" r:id="rId14"/>
+    <p:sldId id="267" r:id="rId15"/>
+    <p:sldId id="257" r:id="rId16"/>
   </p:sldIdLst>
   <p:sldSz cx="9144000" cy="6858000" type="screen4x3"/>
   <p:notesSz cx="6858000" cy="9144000"/>
@@ -120,11 +120,6 @@
       </a:defRPr>
     </a:lvl9pPr>
   </p:defaultTextStyle>
-  <p:extLst>
-    <p:ext uri="{EFAFB233-063F-42B5-8137-9DF3F51BA10A}">
-      <p15:sldGuideLst xmlns:p15="http://schemas.microsoft.com/office/powerpoint/2012/main"/>
-    </p:ext>
-  </p:extLst>
 </p:presentation>
 </file>
 
@@ -210,7 +205,6 @@
           <a:p>
             <a:fld id="{02ED86D5-3087-417E-B881-6DCE8815FEC6}" type="datetimeFigureOut">
               <a:rPr lang="zh-CN" altLang="en-US" smtClean="0"/>
-              <a:t>2019/5/9</a:t>
             </a:fld>
             <a:endParaRPr lang="zh-CN" altLang="en-US"/>
           </a:p>
@@ -277,6 +271,7 @@
               <a:rPr lang="zh-CN" altLang="en-US"/>
               <a:t>单击此处编辑母版文本样式</a:t>
             </a:r>
+            <a:endParaRPr lang="zh-CN" altLang="en-US"/>
           </a:p>
           <a:p>
             <a:pPr lvl="1"/>
@@ -284,6 +279,7 @@
               <a:rPr lang="zh-CN" altLang="en-US"/>
               <a:t>二级</a:t>
             </a:r>
+            <a:endParaRPr lang="zh-CN" altLang="en-US"/>
           </a:p>
           <a:p>
             <a:pPr lvl="2"/>
@@ -291,6 +287,7 @@
               <a:rPr lang="zh-CN" altLang="en-US"/>
               <a:t>三级</a:t>
             </a:r>
+            <a:endParaRPr lang="zh-CN" altLang="en-US"/>
           </a:p>
           <a:p>
             <a:pPr lvl="3"/>
@@ -298,6 +295,7 @@
               <a:rPr lang="zh-CN" altLang="en-US"/>
               <a:t>四级</a:t>
             </a:r>
+            <a:endParaRPr lang="zh-CN" altLang="en-US"/>
           </a:p>
           <a:p>
             <a:pPr lvl="4"/>
@@ -305,6 +303,7 @@
               <a:rPr lang="zh-CN" altLang="en-US"/>
               <a:t>五级</a:t>
             </a:r>
+            <a:endParaRPr lang="zh-CN" altLang="en-US"/>
           </a:p>
         </p:txBody>
       </p:sp>
@@ -368,18 +367,12 @@
           <a:p>
             <a:fld id="{33CF72B6-5364-4365-9D79-61E7E8AEB724}" type="slidenum">
               <a:rPr lang="zh-CN" altLang="en-US" smtClean="0"/>
-              <a:t>‹#›</a:t>
             </a:fld>
             <a:endParaRPr lang="zh-CN" altLang="en-US"/>
           </a:p>
         </p:txBody>
       </p:sp>
     </p:spTree>
-    <p:extLst>
-      <p:ext uri="{BB962C8B-B14F-4D97-AF65-F5344CB8AC3E}">
-        <p14:creationId xmlns:p14="http://schemas.microsoft.com/office/powerpoint/2010/main" val="312117806"/>
-      </p:ext>
-    </p:extLst>
   </p:cSld>
   <p:clrMap bg1="lt1" tx1="dk1" bg2="lt2" tx2="dk2" accent1="accent1" accent2="accent2" accent3="accent3" accent4="accent4" accent5="accent5" accent6="accent6" hlink="hlink" folHlink="folHlink"/>
   <p:notesStyle>
@@ -608,7 +601,6 @@
           <a:p>
             <a:fld id="{016A8076-6BE9-4048-89C9-7CCFB1E10902}" type="datetime1">
               <a:rPr lang="zh-CN" altLang="en-US" smtClean="0"/>
-              <a:t>2019/5/9</a:t>
             </a:fld>
             <a:endParaRPr lang="zh-CN" altLang="en-US"/>
           </a:p>
@@ -633,6 +625,7 @@
               <a:rPr lang="zh-CN" altLang="en-US"/>
               <a:t>华东理工大学 罗勇军</a:t>
             </a:r>
+            <a:endParaRPr lang="zh-CN" altLang="en-US"/>
           </a:p>
         </p:txBody>
       </p:sp>
@@ -653,18 +646,12 @@
           <a:p>
             <a:fld id="{25F48749-7110-4834-81B9-40518D36DD7D}" type="slidenum">
               <a:rPr lang="zh-CN" altLang="en-US" smtClean="0"/>
-              <a:t>‹#›</a:t>
             </a:fld>
             <a:endParaRPr lang="zh-CN" altLang="en-US"/>
           </a:p>
         </p:txBody>
       </p:sp>
     </p:spTree>
-    <p:extLst>
-      <p:ext uri="{BB962C8B-B14F-4D97-AF65-F5344CB8AC3E}">
-        <p14:creationId xmlns:p14="http://schemas.microsoft.com/office/powerpoint/2010/main" val="2353801236"/>
-      </p:ext>
-    </p:extLst>
   </p:cSld>
   <p:clrMapOvr>
     <a:masterClrMapping/>
@@ -732,6 +719,7 @@
               <a:rPr lang="zh-CN" altLang="en-US"/>
               <a:t>单击此处编辑母版文本样式</a:t>
             </a:r>
+            <a:endParaRPr lang="zh-CN" altLang="en-US"/>
           </a:p>
           <a:p>
             <a:pPr lvl="1"/>
@@ -739,6 +727,7 @@
               <a:rPr lang="zh-CN" altLang="en-US"/>
               <a:t>二级</a:t>
             </a:r>
+            <a:endParaRPr lang="zh-CN" altLang="en-US"/>
           </a:p>
           <a:p>
             <a:pPr lvl="2"/>
@@ -746,6 +735,7 @@
               <a:rPr lang="zh-CN" altLang="en-US"/>
               <a:t>三级</a:t>
             </a:r>
+            <a:endParaRPr lang="zh-CN" altLang="en-US"/>
           </a:p>
           <a:p>
             <a:pPr lvl="3"/>
@@ -753,6 +743,7 @@
               <a:rPr lang="zh-CN" altLang="en-US"/>
               <a:t>四级</a:t>
             </a:r>
+            <a:endParaRPr lang="zh-CN" altLang="en-US"/>
           </a:p>
           <a:p>
             <a:pPr lvl="4"/>
@@ -781,7 +772,6 @@
           <a:p>
             <a:fld id="{185A3E47-8D8C-4590-B331-C25DE9307E39}" type="datetime1">
               <a:rPr lang="zh-CN" altLang="en-US" smtClean="0"/>
-              <a:t>2019/5/9</a:t>
             </a:fld>
             <a:endParaRPr lang="zh-CN" altLang="en-US"/>
           </a:p>
@@ -806,6 +796,7 @@
               <a:rPr lang="zh-CN" altLang="en-US"/>
               <a:t>华东理工大学 罗勇军</a:t>
             </a:r>
+            <a:endParaRPr lang="zh-CN" altLang="en-US"/>
           </a:p>
         </p:txBody>
       </p:sp>
@@ -826,18 +817,12 @@
           <a:p>
             <a:fld id="{25F48749-7110-4834-81B9-40518D36DD7D}" type="slidenum">
               <a:rPr lang="zh-CN" altLang="en-US" smtClean="0"/>
-              <a:t>‹#›</a:t>
             </a:fld>
             <a:endParaRPr lang="zh-CN" altLang="en-US"/>
           </a:p>
         </p:txBody>
       </p:sp>
     </p:spTree>
-    <p:extLst>
-      <p:ext uri="{BB962C8B-B14F-4D97-AF65-F5344CB8AC3E}">
-        <p14:creationId xmlns:p14="http://schemas.microsoft.com/office/powerpoint/2010/main" val="2463529922"/>
-      </p:ext>
-    </p:extLst>
   </p:cSld>
   <p:clrMapOvr>
     <a:masterClrMapping/>
@@ -915,6 +900,7 @@
               <a:rPr lang="zh-CN" altLang="en-US"/>
               <a:t>单击此处编辑母版文本样式</a:t>
             </a:r>
+            <a:endParaRPr lang="zh-CN" altLang="en-US"/>
           </a:p>
           <a:p>
             <a:pPr lvl="1"/>
@@ -922,6 +908,7 @@
               <a:rPr lang="zh-CN" altLang="en-US"/>
               <a:t>二级</a:t>
             </a:r>
+            <a:endParaRPr lang="zh-CN" altLang="en-US"/>
           </a:p>
           <a:p>
             <a:pPr lvl="2"/>
@@ -929,6 +916,7 @@
               <a:rPr lang="zh-CN" altLang="en-US"/>
               <a:t>三级</a:t>
             </a:r>
+            <a:endParaRPr lang="zh-CN" altLang="en-US"/>
           </a:p>
           <a:p>
             <a:pPr lvl="3"/>
@@ -936,6 +924,7 @@
               <a:rPr lang="zh-CN" altLang="en-US"/>
               <a:t>四级</a:t>
             </a:r>
+            <a:endParaRPr lang="zh-CN" altLang="en-US"/>
           </a:p>
           <a:p>
             <a:pPr lvl="4"/>
@@ -964,7 +953,6 @@
           <a:p>
             <a:fld id="{6291DB68-A23A-4766-A8BC-1E5651F952F3}" type="datetime1">
               <a:rPr lang="zh-CN" altLang="en-US" smtClean="0"/>
-              <a:t>2019/5/9</a:t>
             </a:fld>
             <a:endParaRPr lang="zh-CN" altLang="en-US"/>
           </a:p>
@@ -989,6 +977,7 @@
               <a:rPr lang="zh-CN" altLang="en-US"/>
               <a:t>华东理工大学 罗勇军</a:t>
             </a:r>
+            <a:endParaRPr lang="zh-CN" altLang="en-US"/>
           </a:p>
         </p:txBody>
       </p:sp>
@@ -1009,18 +998,12 @@
           <a:p>
             <a:fld id="{25F48749-7110-4834-81B9-40518D36DD7D}" type="slidenum">
               <a:rPr lang="zh-CN" altLang="en-US" smtClean="0"/>
-              <a:t>‹#›</a:t>
             </a:fld>
             <a:endParaRPr lang="zh-CN" altLang="en-US"/>
           </a:p>
         </p:txBody>
       </p:sp>
     </p:spTree>
-    <p:extLst>
-      <p:ext uri="{BB962C8B-B14F-4D97-AF65-F5344CB8AC3E}">
-        <p14:creationId xmlns:p14="http://schemas.microsoft.com/office/powerpoint/2010/main" val="335349641"/>
-      </p:ext>
-    </p:extLst>
   </p:cSld>
   <p:clrMapOvr>
     <a:masterClrMapping/>
@@ -1088,6 +1071,7 @@
               <a:rPr lang="zh-CN" altLang="en-US"/>
               <a:t>单击此处编辑母版文本样式</a:t>
             </a:r>
+            <a:endParaRPr lang="zh-CN" altLang="en-US"/>
           </a:p>
           <a:p>
             <a:pPr lvl="1"/>
@@ -1095,6 +1079,7 @@
               <a:rPr lang="zh-CN" altLang="en-US"/>
               <a:t>二级</a:t>
             </a:r>
+            <a:endParaRPr lang="zh-CN" altLang="en-US"/>
           </a:p>
           <a:p>
             <a:pPr lvl="2"/>
@@ -1102,6 +1087,7 @@
               <a:rPr lang="zh-CN" altLang="en-US"/>
               <a:t>三级</a:t>
             </a:r>
+            <a:endParaRPr lang="zh-CN" altLang="en-US"/>
           </a:p>
           <a:p>
             <a:pPr lvl="3"/>
@@ -1109,6 +1095,7 @@
               <a:rPr lang="zh-CN" altLang="en-US"/>
               <a:t>四级</a:t>
             </a:r>
+            <a:endParaRPr lang="zh-CN" altLang="en-US"/>
           </a:p>
           <a:p>
             <a:pPr lvl="4"/>
@@ -1137,7 +1124,6 @@
           <a:p>
             <a:fld id="{AA89693E-04BA-4CB0-B637-C02AD316040F}" type="datetime1">
               <a:rPr lang="zh-CN" altLang="en-US" smtClean="0"/>
-              <a:t>2019/5/9</a:t>
             </a:fld>
             <a:endParaRPr lang="zh-CN" altLang="en-US"/>
           </a:p>
@@ -1162,6 +1148,7 @@
               <a:rPr lang="zh-CN" altLang="en-US"/>
               <a:t>华东理工大学 罗勇军</a:t>
             </a:r>
+            <a:endParaRPr lang="zh-CN" altLang="en-US"/>
           </a:p>
         </p:txBody>
       </p:sp>
@@ -1182,18 +1169,12 @@
           <a:p>
             <a:fld id="{25F48749-7110-4834-81B9-40518D36DD7D}" type="slidenum">
               <a:rPr lang="zh-CN" altLang="en-US" smtClean="0"/>
-              <a:t>‹#›</a:t>
             </a:fld>
             <a:endParaRPr lang="zh-CN" altLang="en-US"/>
           </a:p>
         </p:txBody>
       </p:sp>
     </p:spTree>
-    <p:extLst>
-      <p:ext uri="{BB962C8B-B14F-4D97-AF65-F5344CB8AC3E}">
-        <p14:creationId xmlns:p14="http://schemas.microsoft.com/office/powerpoint/2010/main" val="489011495"/>
-      </p:ext>
-    </p:extLst>
   </p:cSld>
   <p:clrMapOvr>
     <a:masterClrMapping/>
@@ -1364,6 +1345,7 @@
               <a:rPr lang="zh-CN" altLang="en-US"/>
               <a:t>单击此处编辑母版文本样式</a:t>
             </a:r>
+            <a:endParaRPr lang="zh-CN" altLang="en-US"/>
           </a:p>
         </p:txBody>
       </p:sp>
@@ -1384,7 +1366,6 @@
           <a:p>
             <a:fld id="{691BC170-1A29-4177-BAC4-C23691B08338}" type="datetime1">
               <a:rPr lang="zh-CN" altLang="en-US" smtClean="0"/>
-              <a:t>2019/5/9</a:t>
             </a:fld>
             <a:endParaRPr lang="zh-CN" altLang="en-US"/>
           </a:p>
@@ -1409,6 +1390,7 @@
               <a:rPr lang="zh-CN" altLang="en-US"/>
               <a:t>华东理工大学 罗勇军</a:t>
             </a:r>
+            <a:endParaRPr lang="zh-CN" altLang="en-US"/>
           </a:p>
         </p:txBody>
       </p:sp>
@@ -1429,18 +1411,12 @@
           <a:p>
             <a:fld id="{25F48749-7110-4834-81B9-40518D36DD7D}" type="slidenum">
               <a:rPr lang="zh-CN" altLang="en-US" smtClean="0"/>
-              <a:t>‹#›</a:t>
             </a:fld>
             <a:endParaRPr lang="zh-CN" altLang="en-US"/>
           </a:p>
         </p:txBody>
       </p:sp>
     </p:spTree>
-    <p:extLst>
-      <p:ext uri="{BB962C8B-B14F-4D97-AF65-F5344CB8AC3E}">
-        <p14:creationId xmlns:p14="http://schemas.microsoft.com/office/powerpoint/2010/main" val="2056273440"/>
-      </p:ext>
-    </p:extLst>
   </p:cSld>
   <p:clrMapOvr>
     <a:masterClrMapping/>
@@ -1513,6 +1489,7 @@
               <a:rPr lang="zh-CN" altLang="en-US"/>
               <a:t>单击此处编辑母版文本样式</a:t>
             </a:r>
+            <a:endParaRPr lang="zh-CN" altLang="en-US"/>
           </a:p>
           <a:p>
             <a:pPr lvl="1"/>
@@ -1520,6 +1497,7 @@
               <a:rPr lang="zh-CN" altLang="en-US"/>
               <a:t>二级</a:t>
             </a:r>
+            <a:endParaRPr lang="zh-CN" altLang="en-US"/>
           </a:p>
           <a:p>
             <a:pPr lvl="2"/>
@@ -1527,6 +1505,7 @@
               <a:rPr lang="zh-CN" altLang="en-US"/>
               <a:t>三级</a:t>
             </a:r>
+            <a:endParaRPr lang="zh-CN" altLang="en-US"/>
           </a:p>
           <a:p>
             <a:pPr lvl="3"/>
@@ -1534,6 +1513,7 @@
               <a:rPr lang="zh-CN" altLang="en-US"/>
               <a:t>四级</a:t>
             </a:r>
+            <a:endParaRPr lang="zh-CN" altLang="en-US"/>
           </a:p>
           <a:p>
             <a:pPr lvl="4"/>
@@ -1570,6 +1550,7 @@
               <a:rPr lang="zh-CN" altLang="en-US"/>
               <a:t>单击此处编辑母版文本样式</a:t>
             </a:r>
+            <a:endParaRPr lang="zh-CN" altLang="en-US"/>
           </a:p>
           <a:p>
             <a:pPr lvl="1"/>
@@ -1577,6 +1558,7 @@
               <a:rPr lang="zh-CN" altLang="en-US"/>
               <a:t>二级</a:t>
             </a:r>
+            <a:endParaRPr lang="zh-CN" altLang="en-US"/>
           </a:p>
           <a:p>
             <a:pPr lvl="2"/>
@@ -1584,6 +1566,7 @@
               <a:rPr lang="zh-CN" altLang="en-US"/>
               <a:t>三级</a:t>
             </a:r>
+            <a:endParaRPr lang="zh-CN" altLang="en-US"/>
           </a:p>
           <a:p>
             <a:pPr lvl="3"/>
@@ -1591,6 +1574,7 @@
               <a:rPr lang="zh-CN" altLang="en-US"/>
               <a:t>四级</a:t>
             </a:r>
+            <a:endParaRPr lang="zh-CN" altLang="en-US"/>
           </a:p>
           <a:p>
             <a:pPr lvl="4"/>
@@ -1619,7 +1603,6 @@
           <a:p>
             <a:fld id="{49A8C436-EE4E-491F-AE67-84AE31B69E85}" type="datetime1">
               <a:rPr lang="zh-CN" altLang="en-US" smtClean="0"/>
-              <a:t>2019/5/9</a:t>
             </a:fld>
             <a:endParaRPr lang="zh-CN" altLang="en-US"/>
           </a:p>
@@ -1644,6 +1627,7 @@
               <a:rPr lang="zh-CN" altLang="en-US"/>
               <a:t>华东理工大学 罗勇军</a:t>
             </a:r>
+            <a:endParaRPr lang="zh-CN" altLang="en-US"/>
           </a:p>
         </p:txBody>
       </p:sp>
@@ -1664,18 +1648,12 @@
           <a:p>
             <a:fld id="{25F48749-7110-4834-81B9-40518D36DD7D}" type="slidenum">
               <a:rPr lang="zh-CN" altLang="en-US" smtClean="0"/>
-              <a:t>‹#›</a:t>
             </a:fld>
             <a:endParaRPr lang="zh-CN" altLang="en-US"/>
           </a:p>
         </p:txBody>
       </p:sp>
     </p:spTree>
-    <p:extLst>
-      <p:ext uri="{BB962C8B-B14F-4D97-AF65-F5344CB8AC3E}">
-        <p14:creationId xmlns:p14="http://schemas.microsoft.com/office/powerpoint/2010/main" val="1644928899"/>
-      </p:ext>
-    </p:extLst>
   </p:cSld>
   <p:clrMapOvr>
     <a:masterClrMapping/>
@@ -1790,6 +1768,7 @@
               <a:rPr lang="zh-CN" altLang="en-US"/>
               <a:t>单击此处编辑母版文本样式</a:t>
             </a:r>
+            <a:endParaRPr lang="zh-CN" altLang="en-US"/>
           </a:p>
         </p:txBody>
       </p:sp>
@@ -1818,6 +1797,7 @@
               <a:rPr lang="zh-CN" altLang="en-US"/>
               <a:t>单击此处编辑母版文本样式</a:t>
             </a:r>
+            <a:endParaRPr lang="zh-CN" altLang="en-US"/>
           </a:p>
           <a:p>
             <a:pPr lvl="1"/>
@@ -1825,6 +1805,7 @@
               <a:rPr lang="zh-CN" altLang="en-US"/>
               <a:t>二级</a:t>
             </a:r>
+            <a:endParaRPr lang="zh-CN" altLang="en-US"/>
           </a:p>
           <a:p>
             <a:pPr lvl="2"/>
@@ -1832,6 +1813,7 @@
               <a:rPr lang="zh-CN" altLang="en-US"/>
               <a:t>三级</a:t>
             </a:r>
+            <a:endParaRPr lang="zh-CN" altLang="en-US"/>
           </a:p>
           <a:p>
             <a:pPr lvl="3"/>
@@ -1839,6 +1821,7 @@
               <a:rPr lang="zh-CN" altLang="en-US"/>
               <a:t>四级</a:t>
             </a:r>
+            <a:endParaRPr lang="zh-CN" altLang="en-US"/>
           </a:p>
           <a:p>
             <a:pPr lvl="4"/>
@@ -1912,6 +1895,7 @@
               <a:rPr lang="zh-CN" altLang="en-US"/>
               <a:t>单击此处编辑母版文本样式</a:t>
             </a:r>
+            <a:endParaRPr lang="zh-CN" altLang="en-US"/>
           </a:p>
         </p:txBody>
       </p:sp>
@@ -1940,6 +1924,7 @@
               <a:rPr lang="zh-CN" altLang="en-US"/>
               <a:t>单击此处编辑母版文本样式</a:t>
             </a:r>
+            <a:endParaRPr lang="zh-CN" altLang="en-US"/>
           </a:p>
           <a:p>
             <a:pPr lvl="1"/>
@@ -1947,6 +1932,7 @@
               <a:rPr lang="zh-CN" altLang="en-US"/>
               <a:t>二级</a:t>
             </a:r>
+            <a:endParaRPr lang="zh-CN" altLang="en-US"/>
           </a:p>
           <a:p>
             <a:pPr lvl="2"/>
@@ -1954,6 +1940,7 @@
               <a:rPr lang="zh-CN" altLang="en-US"/>
               <a:t>三级</a:t>
             </a:r>
+            <a:endParaRPr lang="zh-CN" altLang="en-US"/>
           </a:p>
           <a:p>
             <a:pPr lvl="3"/>
@@ -1961,6 +1948,7 @@
               <a:rPr lang="zh-CN" altLang="en-US"/>
               <a:t>四级</a:t>
             </a:r>
+            <a:endParaRPr lang="zh-CN" altLang="en-US"/>
           </a:p>
           <a:p>
             <a:pPr lvl="4"/>
@@ -1989,7 +1977,6 @@
           <a:p>
             <a:fld id="{639D9145-4973-4C99-8A1C-8A239F758531}" type="datetime1">
               <a:rPr lang="zh-CN" altLang="en-US" smtClean="0"/>
-              <a:t>2019/5/9</a:t>
             </a:fld>
             <a:endParaRPr lang="zh-CN" altLang="en-US"/>
           </a:p>
@@ -2014,6 +2001,7 @@
               <a:rPr lang="zh-CN" altLang="en-US"/>
               <a:t>华东理工大学 罗勇军</a:t>
             </a:r>
+            <a:endParaRPr lang="zh-CN" altLang="en-US"/>
           </a:p>
         </p:txBody>
       </p:sp>
@@ -2034,18 +2022,12 @@
           <a:p>
             <a:fld id="{25F48749-7110-4834-81B9-40518D36DD7D}" type="slidenum">
               <a:rPr lang="zh-CN" altLang="en-US" smtClean="0"/>
-              <a:t>‹#›</a:t>
             </a:fld>
             <a:endParaRPr lang="zh-CN" altLang="en-US"/>
           </a:p>
         </p:txBody>
       </p:sp>
     </p:spTree>
-    <p:extLst>
-      <p:ext uri="{BB962C8B-B14F-4D97-AF65-F5344CB8AC3E}">
-        <p14:creationId xmlns:p14="http://schemas.microsoft.com/office/powerpoint/2010/main" val="1894333149"/>
-      </p:ext>
-    </p:extLst>
   </p:cSld>
   <p:clrMapOvr>
     <a:masterClrMapping/>
@@ -2110,7 +2092,6 @@
           <a:p>
             <a:fld id="{0F68CC03-7107-4BDD-8838-8BF613F19918}" type="datetime1">
               <a:rPr lang="zh-CN" altLang="en-US" smtClean="0"/>
-              <a:t>2019/5/9</a:t>
             </a:fld>
             <a:endParaRPr lang="zh-CN" altLang="en-US"/>
           </a:p>
@@ -2135,6 +2116,7 @@
               <a:rPr lang="zh-CN" altLang="en-US"/>
               <a:t>华东理工大学 罗勇军</a:t>
             </a:r>
+            <a:endParaRPr lang="zh-CN" altLang="en-US"/>
           </a:p>
         </p:txBody>
       </p:sp>
@@ -2155,18 +2137,12 @@
           <a:p>
             <a:fld id="{25F48749-7110-4834-81B9-40518D36DD7D}" type="slidenum">
               <a:rPr lang="zh-CN" altLang="en-US" smtClean="0"/>
-              <a:t>‹#›</a:t>
             </a:fld>
             <a:endParaRPr lang="zh-CN" altLang="en-US"/>
           </a:p>
         </p:txBody>
       </p:sp>
     </p:spTree>
-    <p:extLst>
-      <p:ext uri="{BB962C8B-B14F-4D97-AF65-F5344CB8AC3E}">
-        <p14:creationId xmlns:p14="http://schemas.microsoft.com/office/powerpoint/2010/main" val="1719087163"/>
-      </p:ext>
-    </p:extLst>
   </p:cSld>
   <p:clrMapOvr>
     <a:masterClrMapping/>
@@ -2208,7 +2184,6 @@
           <a:p>
             <a:fld id="{ABB2C43E-6B77-420E-8666-158D61F95666}" type="datetime1">
               <a:rPr lang="zh-CN" altLang="en-US" smtClean="0"/>
-              <a:t>2019/5/9</a:t>
             </a:fld>
             <a:endParaRPr lang="zh-CN" altLang="en-US"/>
           </a:p>
@@ -2233,6 +2208,7 @@
               <a:rPr lang="zh-CN" altLang="en-US"/>
               <a:t>华东理工大学 罗勇军</a:t>
             </a:r>
+            <a:endParaRPr lang="zh-CN" altLang="en-US"/>
           </a:p>
         </p:txBody>
       </p:sp>
@@ -2253,18 +2229,12 @@
           <a:p>
             <a:fld id="{25F48749-7110-4834-81B9-40518D36DD7D}" type="slidenum">
               <a:rPr lang="zh-CN" altLang="en-US" smtClean="0"/>
-              <a:t>‹#›</a:t>
             </a:fld>
             <a:endParaRPr lang="zh-CN" altLang="en-US"/>
           </a:p>
         </p:txBody>
       </p:sp>
     </p:spTree>
-    <p:extLst>
-      <p:ext uri="{BB962C8B-B14F-4D97-AF65-F5344CB8AC3E}">
-        <p14:creationId xmlns:p14="http://schemas.microsoft.com/office/powerpoint/2010/main" val="1352806693"/>
-      </p:ext>
-    </p:extLst>
   </p:cSld>
   <p:clrMapOvr>
     <a:masterClrMapping/>
@@ -2374,6 +2344,7 @@
               <a:rPr lang="zh-CN" altLang="en-US"/>
               <a:t>单击此处编辑母版文本样式</a:t>
             </a:r>
+            <a:endParaRPr lang="zh-CN" altLang="en-US"/>
           </a:p>
           <a:p>
             <a:pPr lvl="1"/>
@@ -2381,6 +2352,7 @@
               <a:rPr lang="zh-CN" altLang="en-US"/>
               <a:t>二级</a:t>
             </a:r>
+            <a:endParaRPr lang="zh-CN" altLang="en-US"/>
           </a:p>
           <a:p>
             <a:pPr lvl="2"/>
@@ -2388,6 +2360,7 @@
               <a:rPr lang="zh-CN" altLang="en-US"/>
               <a:t>三级</a:t>
             </a:r>
+            <a:endParaRPr lang="zh-CN" altLang="en-US"/>
           </a:p>
           <a:p>
             <a:pPr lvl="3"/>
@@ -2395,6 +2368,7 @@
               <a:rPr lang="zh-CN" altLang="en-US"/>
               <a:t>四级</a:t>
             </a:r>
+            <a:endParaRPr lang="zh-CN" altLang="en-US"/>
           </a:p>
           <a:p>
             <a:pPr lvl="4"/>
@@ -2468,6 +2442,7 @@
               <a:rPr lang="zh-CN" altLang="en-US"/>
               <a:t>单击此处编辑母版文本样式</a:t>
             </a:r>
+            <a:endParaRPr lang="zh-CN" altLang="en-US"/>
           </a:p>
         </p:txBody>
       </p:sp>
@@ -2488,7 +2463,6 @@
           <a:p>
             <a:fld id="{0BFAB1CE-FFAC-42ED-A32F-A2A96E101099}" type="datetime1">
               <a:rPr lang="zh-CN" altLang="en-US" smtClean="0"/>
-              <a:t>2019/5/9</a:t>
             </a:fld>
             <a:endParaRPr lang="zh-CN" altLang="en-US"/>
           </a:p>
@@ -2513,6 +2487,7 @@
               <a:rPr lang="zh-CN" altLang="en-US"/>
               <a:t>华东理工大学 罗勇军</a:t>
             </a:r>
+            <a:endParaRPr lang="zh-CN" altLang="en-US"/>
           </a:p>
         </p:txBody>
       </p:sp>
@@ -2533,18 +2508,12 @@
           <a:p>
             <a:fld id="{25F48749-7110-4834-81B9-40518D36DD7D}" type="slidenum">
               <a:rPr lang="zh-CN" altLang="en-US" smtClean="0"/>
-              <a:t>‹#›</a:t>
             </a:fld>
             <a:endParaRPr lang="zh-CN" altLang="en-US"/>
           </a:p>
         </p:txBody>
       </p:sp>
     </p:spTree>
-    <p:extLst>
-      <p:ext uri="{BB962C8B-B14F-4D97-AF65-F5344CB8AC3E}">
-        <p14:creationId xmlns:p14="http://schemas.microsoft.com/office/powerpoint/2010/main" val="71297812"/>
-      </p:ext>
-    </p:extLst>
   </p:cSld>
   <p:clrMapOvr>
     <a:masterClrMapping/>
@@ -2728,6 +2697,7 @@
               <a:rPr lang="zh-CN" altLang="en-US"/>
               <a:t>单击此处编辑母版文本样式</a:t>
             </a:r>
+            <a:endParaRPr lang="zh-CN" altLang="en-US"/>
           </a:p>
         </p:txBody>
       </p:sp>
@@ -2748,7 +2718,6 @@
           <a:p>
             <a:fld id="{187C3EE4-8426-43D3-B75D-B2EACE3E8A3F}" type="datetime1">
               <a:rPr lang="zh-CN" altLang="en-US" smtClean="0"/>
-              <a:t>2019/5/9</a:t>
             </a:fld>
             <a:endParaRPr lang="zh-CN" altLang="en-US"/>
           </a:p>
@@ -2773,6 +2742,7 @@
               <a:rPr lang="zh-CN" altLang="en-US"/>
               <a:t>华东理工大学 罗勇军</a:t>
             </a:r>
+            <a:endParaRPr lang="zh-CN" altLang="en-US"/>
           </a:p>
         </p:txBody>
       </p:sp>
@@ -2793,18 +2763,12 @@
           <a:p>
             <a:fld id="{25F48749-7110-4834-81B9-40518D36DD7D}" type="slidenum">
               <a:rPr lang="zh-CN" altLang="en-US" smtClean="0"/>
-              <a:t>‹#›</a:t>
             </a:fld>
             <a:endParaRPr lang="zh-CN" altLang="en-US"/>
           </a:p>
         </p:txBody>
       </p:sp>
     </p:spTree>
-    <p:extLst>
-      <p:ext uri="{BB962C8B-B14F-4D97-AF65-F5344CB8AC3E}">
-        <p14:creationId xmlns:p14="http://schemas.microsoft.com/office/powerpoint/2010/main" val="3665173038"/>
-      </p:ext>
-    </p:extLst>
   </p:cSld>
   <p:clrMapOvr>
     <a:masterClrMapping/>
@@ -2897,6 +2861,7 @@
               <a:rPr lang="zh-CN" altLang="en-US"/>
               <a:t>单击此处编辑母版文本样式</a:t>
             </a:r>
+            <a:endParaRPr lang="zh-CN" altLang="en-US"/>
           </a:p>
           <a:p>
             <a:pPr lvl="1"/>
@@ -2904,6 +2869,7 @@
               <a:rPr lang="zh-CN" altLang="en-US"/>
               <a:t>二级</a:t>
             </a:r>
+            <a:endParaRPr lang="zh-CN" altLang="en-US"/>
           </a:p>
           <a:p>
             <a:pPr lvl="2"/>
@@ -2911,6 +2877,7 @@
               <a:rPr lang="zh-CN" altLang="en-US"/>
               <a:t>三级</a:t>
             </a:r>
+            <a:endParaRPr lang="zh-CN" altLang="en-US"/>
           </a:p>
           <a:p>
             <a:pPr lvl="3"/>
@@ -2918,6 +2885,7 @@
               <a:rPr lang="zh-CN" altLang="en-US"/>
               <a:t>四级</a:t>
             </a:r>
+            <a:endParaRPr lang="zh-CN" altLang="en-US"/>
           </a:p>
           <a:p>
             <a:pPr lvl="4"/>
@@ -2964,7 +2932,6 @@
           <a:p>
             <a:fld id="{16BD9C76-68C8-4C1A-A043-8B2E0A7A4446}" type="datetime1">
               <a:rPr lang="zh-CN" altLang="en-US" smtClean="0"/>
-              <a:t>2019/5/9</a:t>
             </a:fld>
             <a:endParaRPr lang="zh-CN" altLang="en-US"/>
           </a:p>
@@ -3007,6 +2974,7 @@
               <a:rPr lang="zh-CN" altLang="en-US"/>
               <a:t>华东理工大学 罗勇军</a:t>
             </a:r>
+            <a:endParaRPr lang="zh-CN" altLang="en-US"/>
           </a:p>
         </p:txBody>
       </p:sp>
@@ -3045,32 +3013,26 @@
           <a:p>
             <a:fld id="{25F48749-7110-4834-81B9-40518D36DD7D}" type="slidenum">
               <a:rPr lang="zh-CN" altLang="en-US" smtClean="0"/>
-              <a:t>‹#›</a:t>
             </a:fld>
             <a:endParaRPr lang="zh-CN" altLang="en-US"/>
           </a:p>
         </p:txBody>
       </p:sp>
     </p:spTree>
-    <p:extLst>
-      <p:ext uri="{BB962C8B-B14F-4D97-AF65-F5344CB8AC3E}">
-        <p14:creationId xmlns:p14="http://schemas.microsoft.com/office/powerpoint/2010/main" val="1317576061"/>
-      </p:ext>
-    </p:extLst>
   </p:cSld>
   <p:clrMap bg1="lt1" tx1="dk1" bg2="lt2" tx2="dk2" accent1="accent1" accent2="accent2" accent3="accent3" accent4="accent4" accent5="accent5" accent6="accent6" hlink="hlink" folHlink="folHlink"/>
   <p:sldLayoutIdLst>
-    <p:sldLayoutId id="2147483661" r:id="rId1"/>
-    <p:sldLayoutId id="2147483662" r:id="rId2"/>
-    <p:sldLayoutId id="2147483663" r:id="rId3"/>
-    <p:sldLayoutId id="2147483664" r:id="rId4"/>
-    <p:sldLayoutId id="2147483665" r:id="rId5"/>
-    <p:sldLayoutId id="2147483666" r:id="rId6"/>
-    <p:sldLayoutId id="2147483667" r:id="rId7"/>
-    <p:sldLayoutId id="2147483668" r:id="rId8"/>
-    <p:sldLayoutId id="2147483669" r:id="rId9"/>
-    <p:sldLayoutId id="2147483670" r:id="rId10"/>
-    <p:sldLayoutId id="2147483671" r:id="rId11"/>
+    <p:sldLayoutId id="2147483649" r:id="rId1"/>
+    <p:sldLayoutId id="2147483650" r:id="rId2"/>
+    <p:sldLayoutId id="2147483651" r:id="rId3"/>
+    <p:sldLayoutId id="2147483652" r:id="rId4"/>
+    <p:sldLayoutId id="2147483653" r:id="rId5"/>
+    <p:sldLayoutId id="2147483654" r:id="rId6"/>
+    <p:sldLayoutId id="2147483655" r:id="rId7"/>
+    <p:sldLayoutId id="2147483656" r:id="rId8"/>
+    <p:sldLayoutId id="2147483657" r:id="rId9"/>
+    <p:sldLayoutId id="2147483658" r:id="rId10"/>
+    <p:sldLayoutId id="2147483659" r:id="rId11"/>
   </p:sldLayoutIdLst>
   <p:hf sldNum="0" hdr="0" dt="0"/>
   <p:txStyles>
@@ -3375,13 +3337,7 @@
       </p:grpSpPr>
       <p:sp>
         <p:nvSpPr>
-          <p:cNvPr id="2" name="标题 1">
-            <a:extLst>
-              <a:ext uri="{FF2B5EF4-FFF2-40B4-BE49-F238E27FC236}">
-                <a16:creationId xmlns:a16="http://schemas.microsoft.com/office/drawing/2014/main" id="{F20B5D22-D885-4F82-B619-7BD8E0201E36}"/>
-              </a:ext>
-            </a:extLst>
-          </p:cNvPr>
+          <p:cNvPr id="2" name="标题 1"/>
           <p:cNvSpPr>
             <a:spLocks noGrp="1"/>
           </p:cNvSpPr>
@@ -3411,21 +3367,20 @@
               </a:rPr>
               <a:t>测试：数据的构造、对拍</a:t>
             </a:r>
-          </a:p>
-        </p:txBody>
-      </p:sp>
-      <p:sp>
-        <p:nvSpPr>
-          <p:cNvPr id="5" name="副标题 2">
-            <a:extLst>
-              <a:ext uri="{FF2B5EF4-FFF2-40B4-BE49-F238E27FC236}">
-                <a16:creationId xmlns:a16="http://schemas.microsoft.com/office/drawing/2014/main" id="{3763A882-F4BB-48B9-9B80-7DB3EF193CF2}"/>
-              </a:ext>
-            </a:extLst>
-          </p:cNvPr>
-          <p:cNvSpPr txBox="1">
-            <a:spLocks/>
-          </p:cNvSpPr>
+            <a:endParaRPr lang="zh-CN" altLang="en-US" sz="4400" dirty="0">
+              <a:solidFill>
+                <a:srgbClr val="FF0000"/>
+              </a:solidFill>
+              <a:latin typeface="黑体" panose="02010609060101010101" pitchFamily="49" charset="-122"/>
+              <a:ea typeface="黑体" panose="02010609060101010101" pitchFamily="49" charset="-122"/>
+            </a:endParaRPr>
+          </a:p>
+        </p:txBody>
+      </p:sp>
+      <p:sp>
+        <p:nvSpPr>
+          <p:cNvPr id="5" name="副标题 2"/>
+          <p:cNvSpPr txBox="1"/>
           <p:nvPr/>
         </p:nvSpPr>
         <p:spPr>
@@ -3646,18 +3601,19 @@
               </a:rPr>
               <a:t>补充内容</a:t>
             </a:r>
-          </a:p>
-        </p:txBody>
-      </p:sp>
-      <p:sp>
-        <p:nvSpPr>
-          <p:cNvPr id="7" name="副标题 6">
-            <a:extLst>
-              <a:ext uri="{FF2B5EF4-FFF2-40B4-BE49-F238E27FC236}">
-                <a16:creationId xmlns:a16="http://schemas.microsoft.com/office/drawing/2014/main" id="{36143D74-8846-4ED1-91B0-C6C3FC151078}"/>
-              </a:ext>
-            </a:extLst>
-          </p:cNvPr>
+            <a:endParaRPr lang="zh-CN" altLang="en-US" sz="2800" dirty="0">
+              <a:solidFill>
+                <a:srgbClr val="0070C0"/>
+              </a:solidFill>
+              <a:latin typeface="宋体" panose="02010600030101010101" pitchFamily="2" charset="-122"/>
+              <a:ea typeface="宋体" panose="02010600030101010101" pitchFamily="2" charset="-122"/>
+            </a:endParaRPr>
+          </a:p>
+        </p:txBody>
+      </p:sp>
+      <p:sp>
+        <p:nvSpPr>
+          <p:cNvPr id="7" name="副标题 6"/>
           <p:cNvSpPr>
             <a:spLocks noGrp="1"/>
           </p:cNvSpPr>
@@ -3691,6 +3647,10 @@
               </a:rPr>
               <a:t>QQ 15512356</a:t>
             </a:r>
+            <a:endParaRPr lang="en-US" altLang="zh-CN" sz="2000" dirty="0">
+              <a:latin typeface="宋体" panose="02010600030101010101" pitchFamily="2" charset="-122"/>
+              <a:ea typeface="宋体" panose="02010600030101010101" pitchFamily="2" charset="-122"/>
+            </a:endParaRPr>
           </a:p>
           <a:p>
             <a:r>
@@ -3700,6 +3660,10 @@
               </a:rPr>
               <a:t>华东理工大学</a:t>
             </a:r>
+            <a:endParaRPr lang="zh-CN" altLang="en-US" sz="2000" dirty="0">
+              <a:latin typeface="宋体" panose="02010600030101010101" pitchFamily="2" charset="-122"/>
+              <a:ea typeface="宋体" panose="02010600030101010101" pitchFamily="2" charset="-122"/>
+            </a:endParaRPr>
           </a:p>
           <a:p>
             <a:endParaRPr lang="en-US" altLang="zh-CN" sz="1000" dirty="0">
@@ -3759,7 +3723,7 @@
               <a:rPr lang="en-US" altLang="zh-CN" sz="2000" dirty="0">
                 <a:latin typeface="宋体" panose="02010600030101010101" pitchFamily="2" charset="-122"/>
                 <a:ea typeface="宋体" panose="02010600030101010101" pitchFamily="2" charset="-122"/>
-                <a:hlinkClick r:id="rId2"/>
+                <a:hlinkClick r:id="rId1"/>
               </a:rPr>
               <a:t>https://github.com/luoyongjun999/code</a:t>
             </a:r>
@@ -3783,11 +3747,6 @@
         </p:txBody>
       </p:sp>
     </p:spTree>
-    <p:extLst>
-      <p:ext uri="{BB962C8B-B14F-4D97-AF65-F5344CB8AC3E}">
-        <p14:creationId xmlns:p14="http://schemas.microsoft.com/office/powerpoint/2010/main" val="1226244329"/>
-      </p:ext>
-    </p:extLst>
   </p:cSld>
   <p:clrMapOvr>
     <a:masterClrMapping/>
@@ -3814,13 +3773,7 @@
       </p:grpSpPr>
       <p:sp>
         <p:nvSpPr>
-          <p:cNvPr id="2" name="标题 1">
-            <a:extLst>
-              <a:ext uri="{FF2B5EF4-FFF2-40B4-BE49-F238E27FC236}">
-                <a16:creationId xmlns:a16="http://schemas.microsoft.com/office/drawing/2014/main" id="{DF3CFCC7-86E1-461A-9E9E-0785B0A237CE}"/>
-              </a:ext>
-            </a:extLst>
-          </p:cNvPr>
+          <p:cNvPr id="2" name="标题 1"/>
           <p:cNvSpPr>
             <a:spLocks noGrp="1"/>
           </p:cNvSpPr>
@@ -3835,32 +3788,32 @@
           </a:bodyPr>
           <a:lstStyle/>
           <a:p>
-            <a:pPr marL="571500" indent="-571500" algn="ctr">
+            <a:pPr marL="0" indent="0" algn="ctr">
               <a:buFont typeface="Wingdings" panose="05000000000000000000" pitchFamily="2" charset="2"/>
-              <a:buChar char="u"/>
             </a:pPr>
             <a:r>
-              <a:rPr lang="zh-CN" altLang="en-US" sz="4000" dirty="0">
+              <a:rPr lang="zh-CN" altLang="en-US" sz="3600" dirty="0">
                 <a:solidFill>
-                  <a:srgbClr val="FF0000"/>
+                  <a:srgbClr val="0070C0"/>
                 </a:solidFill>
                 <a:latin typeface="宋体" panose="02010600030101010101" pitchFamily="2" charset="-122"/>
                 <a:ea typeface="宋体" panose="02010600030101010101" pitchFamily="2" charset="-122"/>
               </a:rPr>
               <a:t>生成输入测试数据</a:t>
             </a:r>
-          </a:p>
-        </p:txBody>
-      </p:sp>
-      <p:sp>
-        <p:nvSpPr>
-          <p:cNvPr id="3" name="内容占位符 2">
-            <a:extLst>
-              <a:ext uri="{FF2B5EF4-FFF2-40B4-BE49-F238E27FC236}">
-                <a16:creationId xmlns:a16="http://schemas.microsoft.com/office/drawing/2014/main" id="{8A4231CB-130D-456E-91B2-C3758D6D8D86}"/>
-              </a:ext>
-            </a:extLst>
-          </p:cNvPr>
+            <a:endParaRPr lang="zh-CN" altLang="en-US" sz="3600" dirty="0">
+              <a:solidFill>
+                <a:srgbClr val="0070C0"/>
+              </a:solidFill>
+              <a:latin typeface="宋体" panose="02010600030101010101" pitchFamily="2" charset="-122"/>
+              <a:ea typeface="宋体" panose="02010600030101010101" pitchFamily="2" charset="-122"/>
+            </a:endParaRPr>
+          </a:p>
+        </p:txBody>
+      </p:sp>
+      <p:sp>
+        <p:nvSpPr>
+          <p:cNvPr id="3" name="内容占位符 2"/>
           <p:cNvSpPr>
             <a:spLocks noGrp="1"/>
           </p:cNvSpPr>
@@ -3893,6 +3846,13 @@
               </a:rPr>
               <a:t>data.in</a:t>
             </a:r>
+            <a:endParaRPr lang="en-US" altLang="zh-CN" dirty="0">
+              <a:solidFill>
+                <a:srgbClr val="0070C0"/>
+              </a:solidFill>
+              <a:latin typeface="宋体" panose="02010600030101010101" pitchFamily="2" charset="-122"/>
+              <a:ea typeface="宋体" panose="02010600030101010101" pitchFamily="2" charset="-122"/>
+            </a:endParaRPr>
           </a:p>
           <a:p>
             <a:pPr marL="0" indent="0">
@@ -3914,13 +3874,7 @@
       </p:sp>
       <p:sp>
         <p:nvSpPr>
-          <p:cNvPr id="4" name="页脚占位符 3">
-            <a:extLst>
-              <a:ext uri="{FF2B5EF4-FFF2-40B4-BE49-F238E27FC236}">
-                <a16:creationId xmlns:a16="http://schemas.microsoft.com/office/drawing/2014/main" id="{5B926D21-DBBE-49FD-8394-F869863A675C}"/>
-              </a:ext>
-            </a:extLst>
-          </p:cNvPr>
+          <p:cNvPr id="4" name="页脚占位符 3"/>
           <p:cNvSpPr>
             <a:spLocks noGrp="1"/>
           </p:cNvSpPr>
@@ -3940,25 +3894,23 @@
               </a:rPr>
               <a:t>华东理工大学 罗勇军</a:t>
             </a:r>
+            <a:endParaRPr lang="zh-CN" altLang="en-US">
+              <a:latin typeface="宋体" panose="02010600030101010101" pitchFamily="2" charset="-122"/>
+              <a:ea typeface="宋体" panose="02010600030101010101" pitchFamily="2" charset="-122"/>
+            </a:endParaRPr>
           </a:p>
         </p:txBody>
       </p:sp>
       <p:pic>
         <p:nvPicPr>
-          <p:cNvPr id="5" name="图片 4">
-            <a:extLst>
-              <a:ext uri="{FF2B5EF4-FFF2-40B4-BE49-F238E27FC236}">
-                <a16:creationId xmlns:a16="http://schemas.microsoft.com/office/drawing/2014/main" id="{4550F403-88CF-4137-9B28-3EB0B766A0DD}"/>
-              </a:ext>
-            </a:extLst>
-          </p:cNvPr>
+          <p:cNvPr id="5" name="图片 4"/>
           <p:cNvPicPr>
             <a:picLocks noChangeAspect="1"/>
           </p:cNvPicPr>
           <p:nvPr/>
         </p:nvPicPr>
         <p:blipFill>
-          <a:blip r:embed="rId2"/>
+          <a:blip r:embed="rId1"/>
           <a:stretch>
             <a:fillRect/>
           </a:stretch>
@@ -3974,11 +3926,6 @@
         </p:spPr>
       </p:pic>
     </p:spTree>
-    <p:extLst>
-      <p:ext uri="{BB962C8B-B14F-4D97-AF65-F5344CB8AC3E}">
-        <p14:creationId xmlns:p14="http://schemas.microsoft.com/office/powerpoint/2010/main" val="1864170137"/>
-      </p:ext>
-    </p:extLst>
   </p:cSld>
   <p:clrMapOvr>
     <a:masterClrMapping/>
@@ -4005,13 +3952,7 @@
       </p:grpSpPr>
       <p:sp>
         <p:nvSpPr>
-          <p:cNvPr id="2" name="标题 1">
-            <a:extLst>
-              <a:ext uri="{FF2B5EF4-FFF2-40B4-BE49-F238E27FC236}">
-                <a16:creationId xmlns:a16="http://schemas.microsoft.com/office/drawing/2014/main" id="{D135AF35-97E9-426B-83AC-0C69E64D400C}"/>
-              </a:ext>
-            </a:extLst>
-          </p:cNvPr>
+          <p:cNvPr id="2" name="标题 1"/>
           <p:cNvSpPr>
             <a:spLocks noGrp="1"/>
           </p:cNvSpPr>
@@ -4032,31 +3973,52 @@
           <a:lstStyle/>
           <a:p>
             <a:pPr marL="571500" indent="-571500" algn="ctr">
-              <a:buFont typeface="Wingdings" panose="05000000000000000000" pitchFamily="2" charset="2"/>
+              <a:buFont typeface="Wingdings" panose="05000000000000000000" charset="0"/>
               <a:buChar char="u"/>
             </a:pPr>
             <a:r>
               <a:rPr lang="zh-CN" altLang="en-US" sz="3600" dirty="0">
                 <a:solidFill>
-                  <a:srgbClr val="FF0000"/>
+                  <a:srgbClr val="0070C0"/>
                 </a:solidFill>
                 <a:latin typeface="宋体" panose="02010600030101010101" pitchFamily="2" charset="-122"/>
                 <a:ea typeface="宋体" panose="02010600030101010101" pitchFamily="2" charset="-122"/>
               </a:rPr>
-              <a:t>对拍</a:t>
-            </a:r>
-          </a:p>
-        </p:txBody>
-      </p:sp>
-      <p:sp>
-        <p:nvSpPr>
-          <p:cNvPr id="3" name="内容占位符 2">
-            <a:extLst>
-              <a:ext uri="{FF2B5EF4-FFF2-40B4-BE49-F238E27FC236}">
-                <a16:creationId xmlns:a16="http://schemas.microsoft.com/office/drawing/2014/main" id="{98C2C072-10FC-415F-A5D2-7CC234ED68AF}"/>
-              </a:ext>
-            </a:extLst>
-          </p:cNvPr>
+              <a:t>问题</a:t>
+            </a:r>
+            <a:r>
+              <a:rPr lang="en-US" altLang="zh-CN" sz="3600" dirty="0">
+                <a:solidFill>
+                  <a:srgbClr val="0070C0"/>
+                </a:solidFill>
+                <a:latin typeface="宋体" panose="02010600030101010101" pitchFamily="2" charset="-122"/>
+                <a:ea typeface="宋体" panose="02010600030101010101" pitchFamily="2" charset="-122"/>
+              </a:rPr>
+              <a:t>3</a:t>
+            </a:r>
+            <a:r>
+              <a:rPr lang="zh-CN" altLang="en-US" sz="3600" dirty="0">
+                <a:solidFill>
+                  <a:srgbClr val="0070C0"/>
+                </a:solidFill>
+                <a:latin typeface="宋体" panose="02010600030101010101" pitchFamily="2" charset="-122"/>
+                <a:ea typeface="宋体" panose="02010600030101010101" pitchFamily="2" charset="-122"/>
+              </a:rPr>
+              <a:t>：对拍</a:t>
+            </a:r>
+            <a:endParaRPr lang="zh-CN" altLang="en-US" sz="3600" dirty="0">
+              <a:solidFill>
+                <a:srgbClr val="0070C0"/>
+              </a:solidFill>
+              <a:latin typeface="宋体" panose="02010600030101010101" pitchFamily="2" charset="-122"/>
+              <a:ea typeface="宋体" panose="02010600030101010101" pitchFamily="2" charset="-122"/>
+            </a:endParaRPr>
+          </a:p>
+        </p:txBody>
+      </p:sp>
+      <p:sp>
+        <p:nvSpPr>
+          <p:cNvPr id="3" name="内容占位符 2"/>
           <p:cNvSpPr>
             <a:spLocks noGrp="1"/>
           </p:cNvSpPr>
@@ -4118,6 +4080,10 @@
               </a:rPr>
               <a:t>?</a:t>
             </a:r>
+            <a:endParaRPr lang="en-US" altLang="zh-CN" dirty="0">
+              <a:latin typeface="宋体" panose="02010600030101010101" pitchFamily="2" charset="-122"/>
+              <a:ea typeface="宋体" panose="02010600030101010101" pitchFamily="2" charset="-122"/>
+            </a:endParaRPr>
           </a:p>
           <a:p>
             <a:endParaRPr lang="en-US" altLang="zh-CN" sz="1600" dirty="0">
@@ -4161,13 +4127,7 @@
       </p:sp>
       <p:sp>
         <p:nvSpPr>
-          <p:cNvPr id="4" name="页脚占位符 3">
-            <a:extLst>
-              <a:ext uri="{FF2B5EF4-FFF2-40B4-BE49-F238E27FC236}">
-                <a16:creationId xmlns:a16="http://schemas.microsoft.com/office/drawing/2014/main" id="{B547724D-47FF-4F12-818D-7BCBEE66FA81}"/>
-              </a:ext>
-            </a:extLst>
-          </p:cNvPr>
+          <p:cNvPr id="4" name="页脚占位符 3"/>
           <p:cNvSpPr>
             <a:spLocks noGrp="1"/>
           </p:cNvSpPr>
@@ -4187,15 +4147,14 @@
               </a:rPr>
               <a:t>华东理工大学 罗勇军</a:t>
             </a:r>
+            <a:endParaRPr lang="zh-CN" altLang="en-US">
+              <a:latin typeface="宋体" panose="02010600030101010101" pitchFamily="2" charset="-122"/>
+              <a:ea typeface="宋体" panose="02010600030101010101" pitchFamily="2" charset="-122"/>
+            </a:endParaRPr>
           </a:p>
         </p:txBody>
       </p:sp>
     </p:spTree>
-    <p:extLst>
-      <p:ext uri="{BB962C8B-B14F-4D97-AF65-F5344CB8AC3E}">
-        <p14:creationId xmlns:p14="http://schemas.microsoft.com/office/powerpoint/2010/main" val="2406365452"/>
-      </p:ext>
-    </p:extLst>
   </p:cSld>
   <p:clrMapOvr>
     <a:masterClrMapping/>
@@ -4222,13 +4181,7 @@
       </p:grpSpPr>
       <p:sp>
         <p:nvSpPr>
-          <p:cNvPr id="2" name="标题 1">
-            <a:extLst>
-              <a:ext uri="{FF2B5EF4-FFF2-40B4-BE49-F238E27FC236}">
-                <a16:creationId xmlns:a16="http://schemas.microsoft.com/office/drawing/2014/main" id="{D135AF35-97E9-426B-83AC-0C69E64D400C}"/>
-              </a:ext>
-            </a:extLst>
-          </p:cNvPr>
+          <p:cNvPr id="2" name="标题 1"/>
           <p:cNvSpPr>
             <a:spLocks noGrp="1"/>
           </p:cNvSpPr>
@@ -4248,9 +4201,8 @@
           </a:bodyPr>
           <a:lstStyle/>
           <a:p>
-            <a:pPr marL="571500" indent="-571500">
+            <a:pPr marL="0" indent="0">
               <a:buFont typeface="Wingdings" panose="05000000000000000000" pitchFamily="2" charset="2"/>
-              <a:buChar char="u"/>
             </a:pPr>
             <a:r>
               <a:rPr lang="zh-CN" altLang="en-US" sz="3600" dirty="0">
@@ -4312,18 +4264,19 @@
               </a:rPr>
               <a:t>个实现</a:t>
             </a:r>
-          </a:p>
-        </p:txBody>
-      </p:sp>
-      <p:sp>
-        <p:nvSpPr>
-          <p:cNvPr id="3" name="内容占位符 2">
-            <a:extLst>
-              <a:ext uri="{FF2B5EF4-FFF2-40B4-BE49-F238E27FC236}">
-                <a16:creationId xmlns:a16="http://schemas.microsoft.com/office/drawing/2014/main" id="{98C2C072-10FC-415F-A5D2-7CC234ED68AF}"/>
-              </a:ext>
-            </a:extLst>
-          </p:cNvPr>
+            <a:endParaRPr lang="zh-CN" altLang="en-US" sz="3600" dirty="0">
+              <a:solidFill>
+                <a:srgbClr val="FF0000"/>
+              </a:solidFill>
+              <a:latin typeface="宋体" panose="02010600030101010101" pitchFamily="2" charset="-122"/>
+              <a:ea typeface="宋体" panose="02010600030101010101" pitchFamily="2" charset="-122"/>
+            </a:endParaRPr>
+          </a:p>
+        </p:txBody>
+      </p:sp>
+      <p:sp>
+        <p:nvSpPr>
+          <p:cNvPr id="3" name="内容占位符 2"/>
           <p:cNvSpPr>
             <a:spLocks noGrp="1"/>
           </p:cNvSpPr>
@@ -4537,13 +4490,7 @@
       </p:sp>
       <p:sp>
         <p:nvSpPr>
-          <p:cNvPr id="4" name="页脚占位符 3">
-            <a:extLst>
-              <a:ext uri="{FF2B5EF4-FFF2-40B4-BE49-F238E27FC236}">
-                <a16:creationId xmlns:a16="http://schemas.microsoft.com/office/drawing/2014/main" id="{B547724D-47FF-4F12-818D-7BCBEE66FA81}"/>
-              </a:ext>
-            </a:extLst>
-          </p:cNvPr>
+          <p:cNvPr id="4" name="页脚占位符 3"/>
           <p:cNvSpPr>
             <a:spLocks noGrp="1"/>
           </p:cNvSpPr>
@@ -4563,28 +4510,20 @@
               </a:rPr>
               <a:t>华东理工大学 罗勇军</a:t>
             </a:r>
+            <a:endParaRPr lang="zh-CN" altLang="en-US">
+              <a:latin typeface="宋体" panose="02010600030101010101" pitchFamily="2" charset="-122"/>
+              <a:ea typeface="宋体" panose="02010600030101010101" pitchFamily="2" charset="-122"/>
+            </a:endParaRPr>
           </a:p>
         </p:txBody>
       </p:sp>
       <p:graphicFrame>
         <p:nvGraphicFramePr>
-          <p:cNvPr id="5" name="对象 4">
-            <a:extLst>
-              <a:ext uri="{FF2B5EF4-FFF2-40B4-BE49-F238E27FC236}">
-                <a16:creationId xmlns:a16="http://schemas.microsoft.com/office/drawing/2014/main" id="{2895C253-0EBE-4E5F-8989-BA4186ED8BD9}"/>
-              </a:ext>
-            </a:extLst>
-          </p:cNvPr>
+          <p:cNvPr id="5" name="对象 4"/>
           <p:cNvGraphicFramePr>
             <a:graphicFrameLocks noChangeAspect="1"/>
           </p:cNvGraphicFramePr>
-          <p:nvPr>
-            <p:extLst>
-              <p:ext uri="{D42A27DB-BD31-4B8C-83A1-F6EECF244321}">
-                <p14:modId xmlns:p14="http://schemas.microsoft.com/office/powerpoint/2010/main" val="2627881010"/>
-              </p:ext>
-            </p:extLst>
-          </p:nvPr>
+          <p:nvPr/>
         </p:nvGraphicFramePr>
         <p:xfrm>
           <a:off x="2801409" y="2950026"/>
@@ -4594,21 +4533,21 @@
           <a:graphicData uri="http://schemas.openxmlformats.org/presentationml/2006/ole">
             <mc:AlternateContent xmlns:mc="http://schemas.openxmlformats.org/markup-compatibility/2006">
               <mc:Choice xmlns:v="urn:schemas-microsoft-com:vml" Requires="v">
-                <p:oleObj spid="_x0000_s2389" name="包装程序外壳对象" showAsIcon="1" r:id="rId3" imgW="1611360" imgH="641880" progId="Package">
+                <p:oleObj spid="_x0000_s2389" name="包装程序外壳对象" showAsIcon="1" r:id="rId1" imgW="1562100" imgH="638175" progId="Package">
                   <p:embed/>
                 </p:oleObj>
               </mc:Choice>
               <mc:Fallback>
-                <p:oleObj name="包装程序外壳对象" showAsIcon="1" r:id="rId3" imgW="1611360" imgH="641880" progId="Package">
+                <p:oleObj name="包装程序外壳对象" showAsIcon="1" r:id="rId1" imgW="1562100" imgH="638175" progId="Package">
                   <p:embed/>
                   <p:pic>
                     <p:nvPicPr>
-                      <p:cNvPr id="0" name=""/>
+                      <p:cNvPr id="0" name="图片 2388"/>
                       <p:cNvPicPr/>
                       <p:nvPr/>
                     </p:nvPicPr>
                     <p:blipFill>
-                      <a:blip r:embed="rId4"/>
+                      <a:blip r:embed="rId2"/>
                       <a:stretch>
                         <a:fillRect/>
                       </a:stretch>
@@ -4631,23 +4570,11 @@
       </p:graphicFrame>
       <p:graphicFrame>
         <p:nvGraphicFramePr>
-          <p:cNvPr id="6" name="对象 5">
-            <a:extLst>
-              <a:ext uri="{FF2B5EF4-FFF2-40B4-BE49-F238E27FC236}">
-                <a16:creationId xmlns:a16="http://schemas.microsoft.com/office/drawing/2014/main" id="{85888883-3BC3-41AB-A95E-7462FFDA606E}"/>
-              </a:ext>
-            </a:extLst>
-          </p:cNvPr>
+          <p:cNvPr id="6" name="对象 5"/>
           <p:cNvGraphicFramePr>
             <a:graphicFrameLocks noChangeAspect="1"/>
           </p:cNvGraphicFramePr>
-          <p:nvPr>
-            <p:extLst>
-              <p:ext uri="{D42A27DB-BD31-4B8C-83A1-F6EECF244321}">
-                <p14:modId xmlns:p14="http://schemas.microsoft.com/office/powerpoint/2010/main" val="1208300035"/>
-              </p:ext>
-            </p:extLst>
-          </p:nvPr>
+          <p:nvPr/>
         </p:nvGraphicFramePr>
         <p:xfrm>
           <a:off x="6096998" y="2284629"/>
@@ -4657,21 +4584,21 @@
           <a:graphicData uri="http://schemas.openxmlformats.org/presentationml/2006/ole">
             <mc:AlternateContent xmlns:mc="http://schemas.openxmlformats.org/markup-compatibility/2006">
               <mc:Choice xmlns:v="urn:schemas-microsoft-com:vml" Requires="v">
-                <p:oleObj spid="_x0000_s2390" name="包装程序外壳对象" showAsIcon="1" r:id="rId5" imgW="1884600" imgH="641880" progId="Package">
+                <p:oleObj spid="_x0000_s2390" name="包装程序外壳对象" showAsIcon="1" r:id="rId3" imgW="1828800" imgH="638175" progId="Package">
                   <p:embed/>
                 </p:oleObj>
               </mc:Choice>
               <mc:Fallback>
-                <p:oleObj name="包装程序外壳对象" showAsIcon="1" r:id="rId5" imgW="1884600" imgH="641880" progId="Package">
+                <p:oleObj name="包装程序外壳对象" showAsIcon="1" r:id="rId3" imgW="1828800" imgH="638175" progId="Package">
                   <p:embed/>
                   <p:pic>
                     <p:nvPicPr>
-                      <p:cNvPr id="0" name=""/>
+                      <p:cNvPr id="0" name="图片 2389"/>
                       <p:cNvPicPr/>
                       <p:nvPr/>
                     </p:nvPicPr>
                     <p:blipFill>
-                      <a:blip r:embed="rId6"/>
+                      <a:blip r:embed="rId4"/>
                       <a:stretch>
                         <a:fillRect/>
                       </a:stretch>
@@ -4694,23 +4621,11 @@
       </p:graphicFrame>
       <p:graphicFrame>
         <p:nvGraphicFramePr>
-          <p:cNvPr id="7" name="对象 6">
-            <a:extLst>
-              <a:ext uri="{FF2B5EF4-FFF2-40B4-BE49-F238E27FC236}">
-                <a16:creationId xmlns:a16="http://schemas.microsoft.com/office/drawing/2014/main" id="{5ACD0532-E58C-420B-B3BB-30796EB09B2F}"/>
-              </a:ext>
-            </a:extLst>
-          </p:cNvPr>
+          <p:cNvPr id="7" name="对象 6"/>
           <p:cNvGraphicFramePr>
             <a:graphicFrameLocks noChangeAspect="1"/>
           </p:cNvGraphicFramePr>
-          <p:nvPr>
-            <p:extLst>
-              <p:ext uri="{D42A27DB-BD31-4B8C-83A1-F6EECF244321}">
-                <p14:modId xmlns:p14="http://schemas.microsoft.com/office/powerpoint/2010/main" val="1380569227"/>
-              </p:ext>
-            </p:extLst>
-          </p:nvPr>
+          <p:nvPr/>
         </p:nvGraphicFramePr>
         <p:xfrm>
           <a:off x="2241243" y="4055966"/>
@@ -4720,21 +4635,21 @@
           <a:graphicData uri="http://schemas.openxmlformats.org/presentationml/2006/ole">
             <mc:AlternateContent xmlns:mc="http://schemas.openxmlformats.org/markup-compatibility/2006">
               <mc:Choice xmlns:v="urn:schemas-microsoft-com:vml" Requires="v">
-                <p:oleObj spid="_x0000_s2391" name="包装程序外壳对象" showAsIcon="1" r:id="rId7" imgW="1659960" imgH="641880" progId="Package">
+                <p:oleObj spid="_x0000_s2391" name="包装程序外壳对象" showAsIcon="1" r:id="rId5" imgW="1609725" imgH="638175" progId="Package">
                   <p:embed/>
                 </p:oleObj>
               </mc:Choice>
               <mc:Fallback>
-                <p:oleObj name="包装程序外壳对象" showAsIcon="1" r:id="rId7" imgW="1659960" imgH="641880" progId="Package">
+                <p:oleObj name="包装程序外壳对象" showAsIcon="1" r:id="rId5" imgW="1609725" imgH="638175" progId="Package">
                   <p:embed/>
                   <p:pic>
                     <p:nvPicPr>
-                      <p:cNvPr id="0" name=""/>
+                      <p:cNvPr id="0" name="图片 2390"/>
                       <p:cNvPicPr/>
                       <p:nvPr/>
                     </p:nvPicPr>
                     <p:blipFill>
-                      <a:blip r:embed="rId8"/>
+                      <a:blip r:embed="rId6"/>
                       <a:stretch>
                         <a:fillRect/>
                       </a:stretch>
@@ -4756,11 +4671,6 @@
         </a:graphic>
       </p:graphicFrame>
     </p:spTree>
-    <p:extLst>
-      <p:ext uri="{BB962C8B-B14F-4D97-AF65-F5344CB8AC3E}">
-        <p14:creationId xmlns:p14="http://schemas.microsoft.com/office/powerpoint/2010/main" val="4068566923"/>
-      </p:ext>
-    </p:extLst>
   </p:cSld>
   <p:clrMapOvr>
     <a:masterClrMapping/>
@@ -4787,13 +4697,7 @@
       </p:grpSpPr>
       <p:sp>
         <p:nvSpPr>
-          <p:cNvPr id="2" name="标题 1">
-            <a:extLst>
-              <a:ext uri="{FF2B5EF4-FFF2-40B4-BE49-F238E27FC236}">
-                <a16:creationId xmlns:a16="http://schemas.microsoft.com/office/drawing/2014/main" id="{34736198-1E2B-4078-987B-0DA8D0F6272F}"/>
-              </a:ext>
-            </a:extLst>
-          </p:cNvPr>
+          <p:cNvPr id="2" name="标题 1"/>
           <p:cNvSpPr>
             <a:spLocks noGrp="1"/>
           </p:cNvSpPr>
@@ -4844,18 +4748,19 @@
               </a:rPr>
               <a:t>个程序分别生成输出文件</a:t>
             </a:r>
-          </a:p>
-        </p:txBody>
-      </p:sp>
-      <p:sp>
-        <p:nvSpPr>
-          <p:cNvPr id="8" name="页脚占位符 7">
-            <a:extLst>
-              <a:ext uri="{FF2B5EF4-FFF2-40B4-BE49-F238E27FC236}">
-                <a16:creationId xmlns:a16="http://schemas.microsoft.com/office/drawing/2014/main" id="{C8533028-12AC-49BA-8FF5-7CAB92F014C0}"/>
-              </a:ext>
-            </a:extLst>
-          </p:cNvPr>
+            <a:endParaRPr lang="zh-CN" altLang="en-US" sz="3200" dirty="0">
+              <a:solidFill>
+                <a:srgbClr val="0070C0"/>
+              </a:solidFill>
+              <a:latin typeface="宋体" panose="02010600030101010101" pitchFamily="2" charset="-122"/>
+              <a:ea typeface="宋体" panose="02010600030101010101" pitchFamily="2" charset="-122"/>
+            </a:endParaRPr>
+          </a:p>
+        </p:txBody>
+      </p:sp>
+      <p:sp>
+        <p:nvSpPr>
+          <p:cNvPr id="8" name="页脚占位符 7"/>
           <p:cNvSpPr>
             <a:spLocks noGrp="1"/>
           </p:cNvSpPr>
@@ -4875,18 +4780,16 @@
               </a:rPr>
               <a:t>华东理工大学 罗勇军</a:t>
             </a:r>
-          </a:p>
-        </p:txBody>
-      </p:sp>
-      <p:sp>
-        <p:nvSpPr>
-          <p:cNvPr id="4" name="内容占位符 3">
-            <a:extLst>
-              <a:ext uri="{FF2B5EF4-FFF2-40B4-BE49-F238E27FC236}">
-                <a16:creationId xmlns:a16="http://schemas.microsoft.com/office/drawing/2014/main" id="{81FD3187-0471-44B9-8C1A-C98DAA595D73}"/>
-              </a:ext>
-            </a:extLst>
-          </p:cNvPr>
+            <a:endParaRPr lang="zh-CN" altLang="en-US">
+              <a:latin typeface="宋体" panose="02010600030101010101" pitchFamily="2" charset="-122"/>
+              <a:ea typeface="宋体" panose="02010600030101010101" pitchFamily="2" charset="-122"/>
+            </a:endParaRPr>
+          </a:p>
+        </p:txBody>
+      </p:sp>
+      <p:sp>
+        <p:nvSpPr>
+          <p:cNvPr id="4" name="内容占位符 3"/>
           <p:cNvSpPr>
             <a:spLocks noGrp="1"/>
           </p:cNvSpPr>
@@ -4946,20 +4849,14 @@
       </p:sp>
       <p:pic>
         <p:nvPicPr>
-          <p:cNvPr id="9" name="图片 8">
-            <a:extLst>
-              <a:ext uri="{FF2B5EF4-FFF2-40B4-BE49-F238E27FC236}">
-                <a16:creationId xmlns:a16="http://schemas.microsoft.com/office/drawing/2014/main" id="{978EB33F-CACE-4DC5-9032-68A5A703CA07}"/>
-              </a:ext>
-            </a:extLst>
-          </p:cNvPr>
+          <p:cNvPr id="9" name="图片 8"/>
           <p:cNvPicPr>
             <a:picLocks noChangeAspect="1"/>
           </p:cNvPicPr>
           <p:nvPr/>
         </p:nvPicPr>
         <p:blipFill>
-          <a:blip r:embed="rId2"/>
+          <a:blip r:embed="rId1"/>
           <a:stretch>
             <a:fillRect/>
           </a:stretch>
@@ -4976,20 +4873,14 @@
       </p:pic>
       <p:pic>
         <p:nvPicPr>
-          <p:cNvPr id="10" name="图片 9">
-            <a:extLst>
-              <a:ext uri="{FF2B5EF4-FFF2-40B4-BE49-F238E27FC236}">
-                <a16:creationId xmlns:a16="http://schemas.microsoft.com/office/drawing/2014/main" id="{6E5D83E2-67A2-485C-9BEE-1FBB60251737}"/>
-              </a:ext>
-            </a:extLst>
-          </p:cNvPr>
+          <p:cNvPr id="10" name="图片 9"/>
           <p:cNvPicPr>
             <a:picLocks noChangeAspect="1"/>
           </p:cNvPicPr>
           <p:nvPr/>
         </p:nvPicPr>
         <p:blipFill>
-          <a:blip r:embed="rId3"/>
+          <a:blip r:embed="rId2"/>
           <a:stretch>
             <a:fillRect/>
           </a:stretch>
@@ -5005,11 +4896,6 @@
         </p:spPr>
       </p:pic>
     </p:spTree>
-    <p:extLst>
-      <p:ext uri="{BB962C8B-B14F-4D97-AF65-F5344CB8AC3E}">
-        <p14:creationId xmlns:p14="http://schemas.microsoft.com/office/powerpoint/2010/main" val="3658313587"/>
-      </p:ext>
-    </p:extLst>
   </p:cSld>
   <p:clrMapOvr>
     <a:masterClrMapping/>
@@ -5036,13 +4922,7 @@
       </p:grpSpPr>
       <p:sp>
         <p:nvSpPr>
-          <p:cNvPr id="2" name="标题 1">
-            <a:extLst>
-              <a:ext uri="{FF2B5EF4-FFF2-40B4-BE49-F238E27FC236}">
-                <a16:creationId xmlns:a16="http://schemas.microsoft.com/office/drawing/2014/main" id="{34736198-1E2B-4078-987B-0DA8D0F6272F}"/>
-              </a:ext>
-            </a:extLst>
-          </p:cNvPr>
+          <p:cNvPr id="2" name="标题 1"/>
           <p:cNvSpPr>
             <a:spLocks noGrp="1"/>
           </p:cNvSpPr>
@@ -5091,18 +4971,19 @@
               </a:rPr>
               <a:t>个程序的输出是否一样</a:t>
             </a:r>
+            <a:endParaRPr lang="zh-CN" altLang="en-US" sz="3600" dirty="0">
+              <a:solidFill>
+                <a:srgbClr val="FF0000"/>
+              </a:solidFill>
+              <a:latin typeface="宋体" panose="02010600030101010101" pitchFamily="2" charset="-122"/>
+              <a:ea typeface="宋体" panose="02010600030101010101" pitchFamily="2" charset="-122"/>
+            </a:endParaRPr>
           </a:p>
         </p:txBody>
       </p:sp>
       <p:pic>
         <p:nvPicPr>
-          <p:cNvPr id="7" name="内容占位符 6">
-            <a:extLst>
-              <a:ext uri="{FF2B5EF4-FFF2-40B4-BE49-F238E27FC236}">
-                <a16:creationId xmlns:a16="http://schemas.microsoft.com/office/drawing/2014/main" id="{308CABB2-7D84-44AF-8206-8A3E151174CB}"/>
-              </a:ext>
-            </a:extLst>
-          </p:cNvPr>
+          <p:cNvPr id="7" name="内容占位符 6"/>
           <p:cNvPicPr>
             <a:picLocks noGrp="1" noChangeAspect="1"/>
           </p:cNvPicPr>
@@ -5111,7 +4992,7 @@
           </p:nvPr>
         </p:nvPicPr>
         <p:blipFill>
-          <a:blip r:embed="rId2">
+          <a:blip r:embed="rId1">
             <a:extLst>
               <a:ext uri="{28A0092B-C50C-407E-A947-70E740481C1C}">
                 <a14:useLocalDpi xmlns:a14="http://schemas.microsoft.com/office/drawing/2010/main" val="0"/>
@@ -5131,20 +5012,14 @@
       </p:pic>
       <p:pic>
         <p:nvPicPr>
-          <p:cNvPr id="5" name="图片 4">
-            <a:extLst>
-              <a:ext uri="{FF2B5EF4-FFF2-40B4-BE49-F238E27FC236}">
-                <a16:creationId xmlns:a16="http://schemas.microsoft.com/office/drawing/2014/main" id="{B98443E7-0B70-4D90-8A32-472165772B7B}"/>
-              </a:ext>
-            </a:extLst>
-          </p:cNvPr>
+          <p:cNvPr id="5" name="图片 4"/>
           <p:cNvPicPr>
             <a:picLocks noChangeAspect="1"/>
           </p:cNvPicPr>
           <p:nvPr/>
         </p:nvPicPr>
         <p:blipFill>
-          <a:blip r:embed="rId3"/>
+          <a:blip r:embed="rId2"/>
           <a:stretch>
             <a:fillRect/>
           </a:stretch>
@@ -5161,13 +5036,7 @@
       </p:pic>
       <p:sp>
         <p:nvSpPr>
-          <p:cNvPr id="8" name="页脚占位符 7">
-            <a:extLst>
-              <a:ext uri="{FF2B5EF4-FFF2-40B4-BE49-F238E27FC236}">
-                <a16:creationId xmlns:a16="http://schemas.microsoft.com/office/drawing/2014/main" id="{C8533028-12AC-49BA-8FF5-7CAB92F014C0}"/>
-              </a:ext>
-            </a:extLst>
-          </p:cNvPr>
+          <p:cNvPr id="8" name="页脚占位符 7"/>
           <p:cNvSpPr>
             <a:spLocks noGrp="1"/>
           </p:cNvSpPr>
@@ -5187,21 +5056,17 @@
               </a:rPr>
               <a:t>华东理工大学 罗勇军</a:t>
             </a:r>
-          </a:p>
-        </p:txBody>
-      </p:sp>
-      <p:sp>
-        <p:nvSpPr>
-          <p:cNvPr id="9" name="内容占位符 3">
-            <a:extLst>
-              <a:ext uri="{FF2B5EF4-FFF2-40B4-BE49-F238E27FC236}">
-                <a16:creationId xmlns:a16="http://schemas.microsoft.com/office/drawing/2014/main" id="{EDB94C05-ADF8-4779-8DC5-3D1EE2E871C2}"/>
-              </a:ext>
-            </a:extLst>
-          </p:cNvPr>
-          <p:cNvSpPr txBox="1">
-            <a:spLocks/>
-          </p:cNvSpPr>
+            <a:endParaRPr lang="zh-CN" altLang="en-US">
+              <a:latin typeface="宋体" panose="02010600030101010101" pitchFamily="2" charset="-122"/>
+              <a:ea typeface="宋体" panose="02010600030101010101" pitchFamily="2" charset="-122"/>
+            </a:endParaRPr>
+          </a:p>
+        </p:txBody>
+      </p:sp>
+      <p:sp>
+        <p:nvSpPr>
+          <p:cNvPr id="9" name="内容占位符 3"/>
+          <p:cNvSpPr txBox="1"/>
           <p:nvPr/>
         </p:nvSpPr>
         <p:spPr>
@@ -5462,15 +5327,14 @@
               </a:rPr>
               <a:t>命令</a:t>
             </a:r>
+            <a:endParaRPr lang="zh-CN" altLang="en-US" dirty="0">
+              <a:latin typeface="宋体" panose="02010600030101010101" pitchFamily="2" charset="-122"/>
+              <a:ea typeface="宋体" panose="02010600030101010101" pitchFamily="2" charset="-122"/>
+            </a:endParaRPr>
           </a:p>
         </p:txBody>
       </p:sp>
     </p:spTree>
-    <p:extLst>
-      <p:ext uri="{BB962C8B-B14F-4D97-AF65-F5344CB8AC3E}">
-        <p14:creationId xmlns:p14="http://schemas.microsoft.com/office/powerpoint/2010/main" val="2023107539"/>
-      </p:ext>
-    </p:extLst>
   </p:cSld>
   <p:clrMapOvr>
     <a:masterClrMapping/>
@@ -5497,13 +5361,7 @@
       </p:grpSpPr>
       <p:sp>
         <p:nvSpPr>
-          <p:cNvPr id="3" name="内容占位符 2">
-            <a:extLst>
-              <a:ext uri="{FF2B5EF4-FFF2-40B4-BE49-F238E27FC236}">
-                <a16:creationId xmlns:a16="http://schemas.microsoft.com/office/drawing/2014/main" id="{EECFEFB1-686B-4872-9795-8CF46089C303}"/>
-              </a:ext>
-            </a:extLst>
-          </p:cNvPr>
+          <p:cNvPr id="3" name="内容占位符 2"/>
           <p:cNvSpPr>
             <a:spLocks noGrp="1"/>
           </p:cNvSpPr>
@@ -5637,18 +5495,16 @@
               </a:rPr>
               <a:t>：如何进行对拍。</a:t>
             </a:r>
-          </a:p>
-        </p:txBody>
-      </p:sp>
-      <p:sp>
-        <p:nvSpPr>
-          <p:cNvPr id="4" name="页脚占位符 3">
-            <a:extLst>
-              <a:ext uri="{FF2B5EF4-FFF2-40B4-BE49-F238E27FC236}">
-                <a16:creationId xmlns:a16="http://schemas.microsoft.com/office/drawing/2014/main" id="{FF2B44F6-F752-4462-9853-ABE42D4330E3}"/>
-              </a:ext>
-            </a:extLst>
-          </p:cNvPr>
+            <a:endParaRPr lang="zh-CN" altLang="en-US" sz="3200" dirty="0">
+              <a:latin typeface="宋体" panose="02010600030101010101" pitchFamily="2" charset="-122"/>
+              <a:ea typeface="宋体" panose="02010600030101010101" pitchFamily="2" charset="-122"/>
+            </a:endParaRPr>
+          </a:p>
+        </p:txBody>
+      </p:sp>
+      <p:sp>
+        <p:nvSpPr>
+          <p:cNvPr id="4" name="页脚占位符 3"/>
           <p:cNvSpPr>
             <a:spLocks noGrp="1"/>
           </p:cNvSpPr>
@@ -5668,18 +5524,16 @@
               </a:rPr>
               <a:t>华东理工大学 罗勇军</a:t>
             </a:r>
-          </a:p>
-        </p:txBody>
-      </p:sp>
-      <p:sp>
-        <p:nvSpPr>
-          <p:cNvPr id="6" name="标题 1">
-            <a:extLst>
-              <a:ext uri="{FF2B5EF4-FFF2-40B4-BE49-F238E27FC236}">
-                <a16:creationId xmlns:a16="http://schemas.microsoft.com/office/drawing/2014/main" id="{AE760A37-CB31-4C1D-807D-3D593B937AF2}"/>
-              </a:ext>
-            </a:extLst>
-          </p:cNvPr>
+            <a:endParaRPr lang="zh-CN" altLang="en-US" sz="1400">
+              <a:latin typeface="宋体" panose="02010600030101010101" pitchFamily="2" charset="-122"/>
+              <a:ea typeface="宋体" panose="02010600030101010101" pitchFamily="2" charset="-122"/>
+            </a:endParaRPr>
+          </a:p>
+        </p:txBody>
+      </p:sp>
+      <p:sp>
+        <p:nvSpPr>
+          <p:cNvPr id="6" name="标题 1"/>
           <p:cNvSpPr>
             <a:spLocks noGrp="1"/>
           </p:cNvSpPr>
@@ -5709,15 +5563,17 @@
               </a:rPr>
               <a:t>初学者问题：如何测试程序的正确性</a:t>
             </a:r>
+            <a:endParaRPr lang="zh-CN" altLang="en-US" sz="3200" dirty="0">
+              <a:solidFill>
+                <a:srgbClr val="0070C0"/>
+              </a:solidFill>
+              <a:latin typeface="宋体" panose="02010600030101010101" pitchFamily="2" charset="-122"/>
+              <a:ea typeface="宋体" panose="02010600030101010101" pitchFamily="2" charset="-122"/>
+            </a:endParaRPr>
           </a:p>
         </p:txBody>
       </p:sp>
     </p:spTree>
-    <p:extLst>
-      <p:ext uri="{BB962C8B-B14F-4D97-AF65-F5344CB8AC3E}">
-        <p14:creationId xmlns:p14="http://schemas.microsoft.com/office/powerpoint/2010/main" val="3857173221"/>
-      </p:ext>
-    </p:extLst>
   </p:cSld>
   <p:clrMapOvr>
     <a:masterClrMapping/>
@@ -5744,13 +5600,7 @@
       </p:grpSpPr>
       <p:sp>
         <p:nvSpPr>
-          <p:cNvPr id="2" name="标题 1">
-            <a:extLst>
-              <a:ext uri="{FF2B5EF4-FFF2-40B4-BE49-F238E27FC236}">
-                <a16:creationId xmlns:a16="http://schemas.microsoft.com/office/drawing/2014/main" id="{EEDACF6F-A7AB-478C-B143-99E196550EE8}"/>
-              </a:ext>
-            </a:extLst>
-          </p:cNvPr>
+          <p:cNvPr id="2" name="标题 1"/>
           <p:cNvSpPr>
             <a:spLocks noGrp="1"/>
           </p:cNvSpPr>
@@ -5805,18 +5655,19 @@
               </a:rPr>
               <a:t>的测试数据</a:t>
             </a:r>
-          </a:p>
-        </p:txBody>
-      </p:sp>
-      <p:sp>
-        <p:nvSpPr>
-          <p:cNvPr id="3" name="内容占位符 2">
-            <a:extLst>
-              <a:ext uri="{FF2B5EF4-FFF2-40B4-BE49-F238E27FC236}">
-                <a16:creationId xmlns:a16="http://schemas.microsoft.com/office/drawing/2014/main" id="{C6F38558-F1B5-4255-9E6A-EF2A065840B4}"/>
-              </a:ext>
-            </a:extLst>
-          </p:cNvPr>
+            <a:endParaRPr lang="zh-CN" altLang="en-US" sz="3200" dirty="0">
+              <a:solidFill>
+                <a:srgbClr val="0070C0"/>
+              </a:solidFill>
+              <a:latin typeface="宋体" panose="02010600030101010101" pitchFamily="2" charset="-122"/>
+              <a:ea typeface="宋体" panose="02010600030101010101" pitchFamily="2" charset="-122"/>
+            </a:endParaRPr>
+          </a:p>
+        </p:txBody>
+      </p:sp>
+      <p:sp>
+        <p:nvSpPr>
+          <p:cNvPr id="3" name="内容占位符 2"/>
           <p:cNvSpPr>
             <a:spLocks noGrp="1"/>
           </p:cNvSpPr>
@@ -5869,98 +5720,104 @@
               </a:rPr>
               <a:t>大的数。</a:t>
             </a:r>
-          </a:p>
-          <a:p>
-            <a:r>
-              <a:rPr lang="zh-CN" altLang="en-US" dirty="0">
-                <a:latin typeface="宋体" panose="02010600030101010101" pitchFamily="2" charset="-122"/>
-                <a:ea typeface="宋体" panose="02010600030101010101" pitchFamily="2" charset="-122"/>
-              </a:rPr>
-              <a:t>输入：每组测试数据有两行，第一行有两个数</a:t>
-            </a:r>
-            <a:r>
-              <a:rPr lang="en-US" altLang="zh-CN" dirty="0">
-                <a:latin typeface="宋体" panose="02010600030101010101" pitchFamily="2" charset="-122"/>
-                <a:ea typeface="宋体" panose="02010600030101010101" pitchFamily="2" charset="-122"/>
-              </a:rPr>
-              <a:t>n, m(0 &lt; n, m &lt; 1000000)</a:t>
-            </a:r>
-            <a:r>
-              <a:rPr lang="zh-CN" altLang="en-US" dirty="0">
-                <a:latin typeface="宋体" panose="02010600030101010101" pitchFamily="2" charset="-122"/>
-                <a:ea typeface="宋体" panose="02010600030101010101" pitchFamily="2" charset="-122"/>
-              </a:rPr>
-              <a:t>，第二行包含</a:t>
-            </a:r>
-            <a:r>
-              <a:rPr lang="en-US" altLang="zh-CN" dirty="0">
-                <a:latin typeface="宋体" panose="02010600030101010101" pitchFamily="2" charset="-122"/>
-                <a:ea typeface="宋体" panose="02010600030101010101" pitchFamily="2" charset="-122"/>
-              </a:rPr>
-              <a:t>n</a:t>
-            </a:r>
-            <a:r>
-              <a:rPr lang="zh-CN" altLang="en-US" dirty="0">
-                <a:latin typeface="宋体" panose="02010600030101010101" pitchFamily="2" charset="-122"/>
-                <a:ea typeface="宋体" panose="02010600030101010101" pitchFamily="2" charset="-122"/>
-              </a:rPr>
-              <a:t>个各不相同，且都处于区间</a:t>
-            </a:r>
-            <a:r>
-              <a:rPr lang="en-US" altLang="zh-CN" dirty="0">
-                <a:latin typeface="宋体" panose="02010600030101010101" pitchFamily="2" charset="-122"/>
-                <a:ea typeface="宋体" panose="02010600030101010101" pitchFamily="2" charset="-122"/>
-              </a:rPr>
-              <a:t>[-500000, 500000]</a:t>
-            </a:r>
-            <a:r>
-              <a:rPr lang="zh-CN" altLang="en-US" dirty="0">
-                <a:latin typeface="宋体" panose="02010600030101010101" pitchFamily="2" charset="-122"/>
-                <a:ea typeface="宋体" panose="02010600030101010101" pitchFamily="2" charset="-122"/>
-              </a:rPr>
-              <a:t>的整数。</a:t>
-            </a:r>
-          </a:p>
-          <a:p>
-            <a:r>
-              <a:rPr lang="zh-CN" altLang="en-US" dirty="0">
-                <a:latin typeface="宋体" panose="02010600030101010101" pitchFamily="2" charset="-122"/>
-                <a:ea typeface="宋体" panose="02010600030101010101" pitchFamily="2" charset="-122"/>
-              </a:rPr>
-              <a:t>输出：对每组测试数据按从大到小的顺序输出前</a:t>
-            </a:r>
-            <a:r>
-              <a:rPr lang="en-US" altLang="zh-CN" dirty="0">
-                <a:latin typeface="宋体" panose="02010600030101010101" pitchFamily="2" charset="-122"/>
-                <a:ea typeface="宋体" panose="02010600030101010101" pitchFamily="2" charset="-122"/>
-              </a:rPr>
-              <a:t>m</a:t>
-            </a:r>
-            <a:r>
-              <a:rPr lang="zh-CN" altLang="en-US" dirty="0">
-                <a:latin typeface="宋体" panose="02010600030101010101" pitchFamily="2" charset="-122"/>
-                <a:ea typeface="宋体" panose="02010600030101010101" pitchFamily="2" charset="-122"/>
-              </a:rPr>
-              <a:t>大的数。</a:t>
-            </a:r>
-          </a:p>
-          <a:p>
             <a:endParaRPr lang="zh-CN" altLang="en-US" dirty="0">
               <a:latin typeface="宋体" panose="02010600030101010101" pitchFamily="2" charset="-122"/>
               <a:ea typeface="宋体" panose="02010600030101010101" pitchFamily="2" charset="-122"/>
             </a:endParaRPr>
           </a:p>
-        </p:txBody>
-      </p:sp>
-      <p:sp>
-        <p:nvSpPr>
-          <p:cNvPr id="4" name="页脚占位符 3">
-            <a:extLst>
-              <a:ext uri="{FF2B5EF4-FFF2-40B4-BE49-F238E27FC236}">
-                <a16:creationId xmlns:a16="http://schemas.microsoft.com/office/drawing/2014/main" id="{206DE10A-1CFC-43B9-825D-CA193309C261}"/>
-              </a:ext>
-            </a:extLst>
-          </p:cNvPr>
+          <a:p>
+            <a:r>
+              <a:rPr lang="zh-CN" altLang="en-US" dirty="0">
+                <a:latin typeface="宋体" panose="02010600030101010101" pitchFamily="2" charset="-122"/>
+                <a:ea typeface="宋体" panose="02010600030101010101" pitchFamily="2" charset="-122"/>
+              </a:rPr>
+              <a:t>输入：每组测试数据有两行，第一行有两个数</a:t>
+            </a:r>
+            <a:r>
+              <a:rPr lang="en-US" altLang="zh-CN" dirty="0">
+                <a:latin typeface="宋体" panose="02010600030101010101" pitchFamily="2" charset="-122"/>
+                <a:ea typeface="宋体" panose="02010600030101010101" pitchFamily="2" charset="-122"/>
+              </a:rPr>
+              <a:t>n, m(0 &lt; n, m &lt; 1000000)</a:t>
+            </a:r>
+            <a:r>
+              <a:rPr lang="zh-CN" altLang="en-US" dirty="0">
+                <a:latin typeface="宋体" panose="02010600030101010101" pitchFamily="2" charset="-122"/>
+                <a:ea typeface="宋体" panose="02010600030101010101" pitchFamily="2" charset="-122"/>
+              </a:rPr>
+              <a:t>，第二行包含</a:t>
+            </a:r>
+            <a:r>
+              <a:rPr lang="en-US" altLang="zh-CN" dirty="0">
+                <a:latin typeface="宋体" panose="02010600030101010101" pitchFamily="2" charset="-122"/>
+                <a:ea typeface="宋体" panose="02010600030101010101" pitchFamily="2" charset="-122"/>
+              </a:rPr>
+              <a:t>n</a:t>
+            </a:r>
+            <a:r>
+              <a:rPr lang="zh-CN" altLang="en-US" dirty="0">
+                <a:latin typeface="宋体" panose="02010600030101010101" pitchFamily="2" charset="-122"/>
+                <a:ea typeface="宋体" panose="02010600030101010101" pitchFamily="2" charset="-122"/>
+              </a:rPr>
+              <a:t>个各不相同，且都处于区间</a:t>
+            </a:r>
+            <a:r>
+              <a:rPr lang="en-US" altLang="zh-CN" dirty="0">
+                <a:latin typeface="宋体" panose="02010600030101010101" pitchFamily="2" charset="-122"/>
+                <a:ea typeface="宋体" panose="02010600030101010101" pitchFamily="2" charset="-122"/>
+              </a:rPr>
+              <a:t>[-500000, 500000]</a:t>
+            </a:r>
+            <a:r>
+              <a:rPr lang="zh-CN" altLang="en-US" dirty="0">
+                <a:latin typeface="宋体" panose="02010600030101010101" pitchFamily="2" charset="-122"/>
+                <a:ea typeface="宋体" panose="02010600030101010101" pitchFamily="2" charset="-122"/>
+              </a:rPr>
+              <a:t>的整数。</a:t>
+            </a:r>
+            <a:endParaRPr lang="zh-CN" altLang="en-US" dirty="0">
+              <a:latin typeface="宋体" panose="02010600030101010101" pitchFamily="2" charset="-122"/>
+              <a:ea typeface="宋体" panose="02010600030101010101" pitchFamily="2" charset="-122"/>
+            </a:endParaRPr>
+          </a:p>
+          <a:p>
+            <a:r>
+              <a:rPr lang="zh-CN" altLang="en-US" dirty="0">
+                <a:latin typeface="宋体" panose="02010600030101010101" pitchFamily="2" charset="-122"/>
+                <a:ea typeface="宋体" panose="02010600030101010101" pitchFamily="2" charset="-122"/>
+              </a:rPr>
+              <a:t>输出：对每组测试数据按从大到小的顺序输出前</a:t>
+            </a:r>
+            <a:r>
+              <a:rPr lang="en-US" altLang="zh-CN" dirty="0">
+                <a:latin typeface="宋体" panose="02010600030101010101" pitchFamily="2" charset="-122"/>
+                <a:ea typeface="宋体" panose="02010600030101010101" pitchFamily="2" charset="-122"/>
+              </a:rPr>
+              <a:t>m</a:t>
+            </a:r>
+            <a:r>
+              <a:rPr lang="zh-CN" altLang="en-US" dirty="0">
+                <a:latin typeface="宋体" panose="02010600030101010101" pitchFamily="2" charset="-122"/>
+                <a:ea typeface="宋体" panose="02010600030101010101" pitchFamily="2" charset="-122"/>
+              </a:rPr>
+              <a:t>大的数。</a:t>
+            </a:r>
+            <a:endParaRPr lang="zh-CN" altLang="en-US" dirty="0">
+              <a:latin typeface="宋体" panose="02010600030101010101" pitchFamily="2" charset="-122"/>
+              <a:ea typeface="宋体" panose="02010600030101010101" pitchFamily="2" charset="-122"/>
+            </a:endParaRPr>
+          </a:p>
+          <a:p>
+            <a:endParaRPr lang="zh-CN" altLang="en-US" dirty="0">
+              <a:latin typeface="宋体" panose="02010600030101010101" pitchFamily="2" charset="-122"/>
+              <a:ea typeface="宋体" panose="02010600030101010101" pitchFamily="2" charset="-122"/>
+            </a:endParaRPr>
+          </a:p>
+        </p:txBody>
+      </p:sp>
+      <p:sp>
+        <p:nvSpPr>
+          <p:cNvPr id="4" name="页脚占位符 3"/>
           <p:cNvSpPr>
             <a:spLocks noGrp="1"/>
           </p:cNvSpPr>
@@ -5980,15 +5837,14 @@
               </a:rPr>
               <a:t>华东理工大学 罗勇军</a:t>
             </a:r>
+            <a:endParaRPr lang="zh-CN" altLang="en-US">
+              <a:latin typeface="宋体" panose="02010600030101010101" pitchFamily="2" charset="-122"/>
+              <a:ea typeface="宋体" panose="02010600030101010101" pitchFamily="2" charset="-122"/>
+            </a:endParaRPr>
           </a:p>
         </p:txBody>
       </p:sp>
     </p:spTree>
-    <p:extLst>
-      <p:ext uri="{BB962C8B-B14F-4D97-AF65-F5344CB8AC3E}">
-        <p14:creationId xmlns:p14="http://schemas.microsoft.com/office/powerpoint/2010/main" val="4101838719"/>
-      </p:ext>
-    </p:extLst>
   </p:cSld>
   <p:clrMapOvr>
     <a:masterClrMapping/>
@@ -6015,13 +5871,7 @@
       </p:grpSpPr>
       <p:sp>
         <p:nvSpPr>
-          <p:cNvPr id="2" name="标题 1">
-            <a:extLst>
-              <a:ext uri="{FF2B5EF4-FFF2-40B4-BE49-F238E27FC236}">
-                <a16:creationId xmlns:a16="http://schemas.microsoft.com/office/drawing/2014/main" id="{DE6FF1A9-6069-43F6-84FE-4FACC5677CA1}"/>
-              </a:ext>
-            </a:extLst>
-          </p:cNvPr>
+          <p:cNvPr id="2" name="标题 1"/>
           <p:cNvSpPr>
             <a:spLocks noGrp="1"/>
           </p:cNvSpPr>
@@ -6078,18 +5928,20 @@
               </a:rPr>
               <a:t>：如何生成超大范围内的随机数？</a:t>
             </a:r>
-          </a:p>
-        </p:txBody>
-      </p:sp>
-      <p:sp>
-        <p:nvSpPr>
-          <p:cNvPr id="3" name="内容占位符 2">
-            <a:extLst>
-              <a:ext uri="{FF2B5EF4-FFF2-40B4-BE49-F238E27FC236}">
-                <a16:creationId xmlns:a16="http://schemas.microsoft.com/office/drawing/2014/main" id="{7B754062-E8E7-4F1C-9A7D-A3D2C77F759C}"/>
-              </a:ext>
-            </a:extLst>
-          </p:cNvPr>
+            <a:endParaRPr lang="zh-CN" altLang="en-US" sz="3200" dirty="0">
+              <a:solidFill>
+                <a:srgbClr val="0070C0"/>
+              </a:solidFill>
+              <a:latin typeface="Times New Roman" panose="02020603050405020304" pitchFamily="18" charset="0"/>
+              <a:ea typeface="宋体" panose="02010600030101010101" pitchFamily="2" charset="-122"/>
+              <a:cs typeface="Times New Roman" panose="02020603050405020304" pitchFamily="18" charset="0"/>
+            </a:endParaRPr>
+          </a:p>
+        </p:txBody>
+      </p:sp>
+      <p:sp>
+        <p:nvSpPr>
+          <p:cNvPr id="3" name="内容占位符 2"/>
           <p:cNvSpPr>
             <a:spLocks noGrp="1"/>
           </p:cNvSpPr>
@@ -6198,20 +6050,19 @@
                 <a:ea typeface="宋体" panose="02010600030101010101" pitchFamily="2" charset="-122"/>
                 <a:cs typeface="Times New Roman" panose="02020603050405020304" pitchFamily="18" charset="0"/>
               </a:rPr>
-              <a:t>     RAND_MAX=32768</a:t>
-            </a:r>
-          </a:p>
-        </p:txBody>
-      </p:sp>
-      <p:sp>
-        <p:nvSpPr>
-          <p:cNvPr id="4" name="页脚占位符 3">
-            <a:extLst>
-              <a:ext uri="{FF2B5EF4-FFF2-40B4-BE49-F238E27FC236}">
-                <a16:creationId xmlns:a16="http://schemas.microsoft.com/office/drawing/2014/main" id="{8204B7F5-1BA7-4084-988F-081BAE25D469}"/>
-              </a:ext>
-            </a:extLst>
-          </p:cNvPr>
+              <a:t>     RAND_MAX=32767</a:t>
+            </a:r>
+            <a:endParaRPr lang="en-US" altLang="zh-CN" sz="2800" dirty="0">
+              <a:latin typeface="Times New Roman" panose="02020603050405020304" pitchFamily="18" charset="0"/>
+              <a:ea typeface="宋体" panose="02010600030101010101" pitchFamily="2" charset="-122"/>
+              <a:cs typeface="Times New Roman" panose="02020603050405020304" pitchFamily="18" charset="0"/>
+            </a:endParaRPr>
+          </a:p>
+        </p:txBody>
+      </p:sp>
+      <p:sp>
+        <p:nvSpPr>
+          <p:cNvPr id="4" name="页脚占位符 3"/>
           <p:cNvSpPr>
             <a:spLocks noGrp="1"/>
           </p:cNvSpPr>
@@ -6232,15 +6083,15 @@
               </a:rPr>
               <a:t>华东理工大学 罗勇军</a:t>
             </a:r>
+            <a:endParaRPr lang="zh-CN" altLang="en-US">
+              <a:latin typeface="Times New Roman" panose="02020603050405020304" pitchFamily="18" charset="0"/>
+              <a:ea typeface="宋体" panose="02010600030101010101" pitchFamily="2" charset="-122"/>
+              <a:cs typeface="Times New Roman" panose="02020603050405020304" pitchFamily="18" charset="0"/>
+            </a:endParaRPr>
           </a:p>
         </p:txBody>
       </p:sp>
     </p:spTree>
-    <p:extLst>
-      <p:ext uri="{BB962C8B-B14F-4D97-AF65-F5344CB8AC3E}">
-        <p14:creationId xmlns:p14="http://schemas.microsoft.com/office/powerpoint/2010/main" val="3129138296"/>
-      </p:ext>
-    </p:extLst>
   </p:cSld>
   <p:clrMapOvr>
     <a:masterClrMapping/>
@@ -6267,13 +6118,7 @@
       </p:grpSpPr>
       <p:sp>
         <p:nvSpPr>
-          <p:cNvPr id="3" name="内容占位符 2">
-            <a:extLst>
-              <a:ext uri="{FF2B5EF4-FFF2-40B4-BE49-F238E27FC236}">
-                <a16:creationId xmlns:a16="http://schemas.microsoft.com/office/drawing/2014/main" id="{7B754062-E8E7-4F1C-9A7D-A3D2C77F759C}"/>
-              </a:ext>
-            </a:extLst>
-          </p:cNvPr>
+          <p:cNvPr id="3" name="内容占位符 2"/>
           <p:cNvSpPr>
             <a:spLocks noGrp="1"/>
           </p:cNvSpPr>
@@ -6459,96 +6304,115 @@
               </a:rPr>
               <a:t>生成一个大随机数</a:t>
             </a:r>
-          </a:p>
-          <a:p>
-            <a:pPr marL="457200" lvl="1" indent="0">
-              <a:buNone/>
-            </a:pPr>
-            <a:r>
-              <a:rPr lang="zh-CN" altLang="en-US" dirty="0">
-                <a:latin typeface="Times New Roman" panose="02020603050405020304" pitchFamily="18" charset="0"/>
-                <a:ea typeface="宋体" panose="02010600030101010101" pitchFamily="2" charset="-122"/>
-                <a:cs typeface="Times New Roman" panose="02020603050405020304" pitchFamily="18" charset="0"/>
-              </a:rPr>
-              <a:t>    </a:t>
-            </a:r>
-            <a:r>
-              <a:rPr lang="en-US" altLang="zh-CN" dirty="0">
-                <a:latin typeface="Times New Roman" panose="02020603050405020304" pitchFamily="18" charset="0"/>
-                <a:ea typeface="宋体" panose="02010600030101010101" pitchFamily="2" charset="-122"/>
-                <a:cs typeface="Times New Roman" panose="02020603050405020304" pitchFamily="18" charset="0"/>
-              </a:rPr>
-              <a:t>return (</a:t>
-            </a:r>
-          </a:p>
-          <a:p>
-            <a:pPr marL="457200" lvl="1" indent="0">
-              <a:buNone/>
-            </a:pPr>
-            <a:r>
-              <a:rPr lang="en-US" altLang="zh-CN" dirty="0">
-                <a:latin typeface="Times New Roman" panose="02020603050405020304" pitchFamily="18" charset="0"/>
-                <a:ea typeface="宋体" panose="02010600030101010101" pitchFamily="2" charset="-122"/>
-                <a:cs typeface="Times New Roman" panose="02020603050405020304" pitchFamily="18" charset="0"/>
-              </a:rPr>
-              <a:t>             (((unsigned long)rand()&lt;&lt;24)&amp; 0xFF000000ul)</a:t>
-            </a:r>
-          </a:p>
-          <a:p>
-            <a:pPr marL="457200" lvl="1" indent="0">
-              <a:buNone/>
-            </a:pPr>
-            <a:r>
-              <a:rPr lang="en-US" altLang="zh-CN" dirty="0">
-                <a:latin typeface="Times New Roman" panose="02020603050405020304" pitchFamily="18" charset="0"/>
-                <a:ea typeface="宋体" panose="02010600030101010101" pitchFamily="2" charset="-122"/>
-                <a:cs typeface="Times New Roman" panose="02020603050405020304" pitchFamily="18" charset="0"/>
-              </a:rPr>
-              <a:t>            |(((unsigned long)rand()&lt;&lt;12)&amp; 0x00FFF000ul)</a:t>
-            </a:r>
-          </a:p>
-          <a:p>
-            <a:pPr marL="457200" lvl="1" indent="0">
-              <a:buNone/>
-            </a:pPr>
-            <a:r>
-              <a:rPr lang="en-US" altLang="zh-CN" dirty="0">
-                <a:latin typeface="Times New Roman" panose="02020603050405020304" pitchFamily="18" charset="0"/>
-                <a:ea typeface="宋体" panose="02010600030101010101" pitchFamily="2" charset="-122"/>
-                <a:cs typeface="Times New Roman" panose="02020603050405020304" pitchFamily="18" charset="0"/>
-              </a:rPr>
-              <a:t>            |(((unsigned long)rand())        &amp; 0x00000FFFul));</a:t>
-            </a:r>
-          </a:p>
-          <a:p>
-            <a:pPr marL="457200" lvl="1" indent="0">
-              <a:buNone/>
-            </a:pPr>
-            <a:r>
-              <a:rPr lang="en-US" altLang="zh-CN" dirty="0">
-                <a:latin typeface="Times New Roman" panose="02020603050405020304" pitchFamily="18" charset="0"/>
-                <a:ea typeface="宋体" panose="02010600030101010101" pitchFamily="2" charset="-122"/>
-                <a:cs typeface="Times New Roman" panose="02020603050405020304" pitchFamily="18" charset="0"/>
-              </a:rPr>
-              <a:t>}</a:t>
-            </a:r>
             <a:endParaRPr lang="zh-CN" altLang="en-US" dirty="0">
               <a:latin typeface="Times New Roman" panose="02020603050405020304" pitchFamily="18" charset="0"/>
               <a:ea typeface="宋体" panose="02010600030101010101" pitchFamily="2" charset="-122"/>
               <a:cs typeface="Times New Roman" panose="02020603050405020304" pitchFamily="18" charset="0"/>
             </a:endParaRPr>
           </a:p>
-        </p:txBody>
-      </p:sp>
-      <p:sp>
-        <p:nvSpPr>
-          <p:cNvPr id="4" name="页脚占位符 3">
-            <a:extLst>
-              <a:ext uri="{FF2B5EF4-FFF2-40B4-BE49-F238E27FC236}">
-                <a16:creationId xmlns:a16="http://schemas.microsoft.com/office/drawing/2014/main" id="{8204B7F5-1BA7-4084-988F-081BAE25D469}"/>
-              </a:ext>
-            </a:extLst>
-          </p:cNvPr>
+          <a:p>
+            <a:pPr marL="457200" lvl="1" indent="0">
+              <a:buNone/>
+            </a:pPr>
+            <a:r>
+              <a:rPr lang="zh-CN" altLang="en-US" dirty="0">
+                <a:latin typeface="Times New Roman" panose="02020603050405020304" pitchFamily="18" charset="0"/>
+                <a:ea typeface="宋体" panose="02010600030101010101" pitchFamily="2" charset="-122"/>
+                <a:cs typeface="Times New Roman" panose="02020603050405020304" pitchFamily="18" charset="0"/>
+              </a:rPr>
+              <a:t>    </a:t>
+            </a:r>
+            <a:r>
+              <a:rPr lang="en-US" altLang="zh-CN" dirty="0">
+                <a:latin typeface="Times New Roman" panose="02020603050405020304" pitchFamily="18" charset="0"/>
+                <a:ea typeface="宋体" panose="02010600030101010101" pitchFamily="2" charset="-122"/>
+                <a:cs typeface="Times New Roman" panose="02020603050405020304" pitchFamily="18" charset="0"/>
+              </a:rPr>
+              <a:t>return (</a:t>
+            </a:r>
+            <a:endParaRPr lang="en-US" altLang="zh-CN" dirty="0">
+              <a:latin typeface="Times New Roman" panose="02020603050405020304" pitchFamily="18" charset="0"/>
+              <a:ea typeface="宋体" panose="02010600030101010101" pitchFamily="2" charset="-122"/>
+              <a:cs typeface="Times New Roman" panose="02020603050405020304" pitchFamily="18" charset="0"/>
+            </a:endParaRPr>
+          </a:p>
+          <a:p>
+            <a:pPr marL="457200" lvl="1" indent="0">
+              <a:buNone/>
+            </a:pPr>
+            <a:r>
+              <a:rPr lang="en-US" altLang="zh-CN" dirty="0">
+                <a:latin typeface="Times New Roman" panose="02020603050405020304" pitchFamily="18" charset="0"/>
+                <a:ea typeface="宋体" panose="02010600030101010101" pitchFamily="2" charset="-122"/>
+                <a:cs typeface="Times New Roman" panose="02020603050405020304" pitchFamily="18" charset="0"/>
+              </a:rPr>
+              <a:t>             (((unsigned long)rand()&lt;&lt;24)&amp; 0xFF000000ul)</a:t>
+            </a:r>
+            <a:endParaRPr lang="en-US" altLang="zh-CN" dirty="0">
+              <a:latin typeface="Times New Roman" panose="02020603050405020304" pitchFamily="18" charset="0"/>
+              <a:ea typeface="宋体" panose="02010600030101010101" pitchFamily="2" charset="-122"/>
+              <a:cs typeface="Times New Roman" panose="02020603050405020304" pitchFamily="18" charset="0"/>
+            </a:endParaRPr>
+          </a:p>
+          <a:p>
+            <a:pPr marL="457200" lvl="1" indent="0">
+              <a:buNone/>
+            </a:pPr>
+            <a:r>
+              <a:rPr lang="en-US" altLang="zh-CN" dirty="0">
+                <a:latin typeface="Times New Roman" panose="02020603050405020304" pitchFamily="18" charset="0"/>
+                <a:ea typeface="宋体" panose="02010600030101010101" pitchFamily="2" charset="-122"/>
+                <a:cs typeface="Times New Roman" panose="02020603050405020304" pitchFamily="18" charset="0"/>
+              </a:rPr>
+              <a:t>            |(((unsigned long)rand()&lt;&lt;12)&amp; 0x00FFF000ul)</a:t>
+            </a:r>
+            <a:endParaRPr lang="en-US" altLang="zh-CN" dirty="0">
+              <a:latin typeface="Times New Roman" panose="02020603050405020304" pitchFamily="18" charset="0"/>
+              <a:ea typeface="宋体" panose="02010600030101010101" pitchFamily="2" charset="-122"/>
+              <a:cs typeface="Times New Roman" panose="02020603050405020304" pitchFamily="18" charset="0"/>
+            </a:endParaRPr>
+          </a:p>
+          <a:p>
+            <a:pPr marL="457200" lvl="1" indent="0">
+              <a:buNone/>
+            </a:pPr>
+            <a:r>
+              <a:rPr lang="en-US" altLang="zh-CN" dirty="0">
+                <a:latin typeface="Times New Roman" panose="02020603050405020304" pitchFamily="18" charset="0"/>
+                <a:ea typeface="宋体" panose="02010600030101010101" pitchFamily="2" charset="-122"/>
+                <a:cs typeface="Times New Roman" panose="02020603050405020304" pitchFamily="18" charset="0"/>
+              </a:rPr>
+              <a:t>            |(((unsigned long)rand())        &amp; 0x00000FFFul));</a:t>
+            </a:r>
+            <a:endParaRPr lang="en-US" altLang="zh-CN" dirty="0">
+              <a:latin typeface="Times New Roman" panose="02020603050405020304" pitchFamily="18" charset="0"/>
+              <a:ea typeface="宋体" panose="02010600030101010101" pitchFamily="2" charset="-122"/>
+              <a:cs typeface="Times New Roman" panose="02020603050405020304" pitchFamily="18" charset="0"/>
+            </a:endParaRPr>
+          </a:p>
+          <a:p>
+            <a:pPr marL="457200" lvl="1" indent="0">
+              <a:buNone/>
+            </a:pPr>
+            <a:r>
+              <a:rPr lang="en-US" altLang="zh-CN" dirty="0">
+                <a:latin typeface="Times New Roman" panose="02020603050405020304" pitchFamily="18" charset="0"/>
+                <a:ea typeface="宋体" panose="02010600030101010101" pitchFamily="2" charset="-122"/>
+                <a:cs typeface="Times New Roman" panose="02020603050405020304" pitchFamily="18" charset="0"/>
+              </a:rPr>
+              <a:t>}</a:t>
+            </a:r>
+            <a:endParaRPr lang="zh-CN" altLang="en-US" dirty="0">
+              <a:latin typeface="Times New Roman" panose="02020603050405020304" pitchFamily="18" charset="0"/>
+              <a:ea typeface="宋体" panose="02010600030101010101" pitchFamily="2" charset="-122"/>
+              <a:cs typeface="Times New Roman" panose="02020603050405020304" pitchFamily="18" charset="0"/>
+            </a:endParaRPr>
+          </a:p>
+        </p:txBody>
+      </p:sp>
+      <p:sp>
+        <p:nvSpPr>
+          <p:cNvPr id="4" name="页脚占位符 3"/>
           <p:cNvSpPr>
             <a:spLocks noGrp="1"/>
           </p:cNvSpPr>
@@ -6569,15 +6433,15 @@
               </a:rPr>
               <a:t>华东理工大学 罗勇军</a:t>
             </a:r>
+            <a:endParaRPr lang="zh-CN" altLang="en-US">
+              <a:latin typeface="Times New Roman" panose="02020603050405020304" pitchFamily="18" charset="0"/>
+              <a:ea typeface="宋体" panose="02010600030101010101" pitchFamily="2" charset="-122"/>
+              <a:cs typeface="Times New Roman" panose="02020603050405020304" pitchFamily="18" charset="0"/>
+            </a:endParaRPr>
           </a:p>
         </p:txBody>
       </p:sp>
     </p:spTree>
-    <p:extLst>
-      <p:ext uri="{BB962C8B-B14F-4D97-AF65-F5344CB8AC3E}">
-        <p14:creationId xmlns:p14="http://schemas.microsoft.com/office/powerpoint/2010/main" val="3297020803"/>
-      </p:ext>
-    </p:extLst>
   </p:cSld>
   <p:clrMapOvr>
     <a:masterClrMapping/>
@@ -6604,13 +6468,7 @@
       </p:grpSpPr>
       <p:sp>
         <p:nvSpPr>
-          <p:cNvPr id="2" name="标题 1">
-            <a:extLst>
-              <a:ext uri="{FF2B5EF4-FFF2-40B4-BE49-F238E27FC236}">
-                <a16:creationId xmlns:a16="http://schemas.microsoft.com/office/drawing/2014/main" id="{D148086E-46D9-46F9-A305-705CE05211F8}"/>
-              </a:ext>
-            </a:extLst>
-          </p:cNvPr>
+          <p:cNvPr id="2" name="标题 1"/>
           <p:cNvSpPr>
             <a:spLocks noGrp="1"/>
           </p:cNvSpPr>
@@ -6658,18 +6516,20 @@
               </a:rPr>
               <a:t>之间的一个随机数</a:t>
             </a:r>
-          </a:p>
-        </p:txBody>
-      </p:sp>
-      <p:sp>
-        <p:nvSpPr>
-          <p:cNvPr id="3" name="内容占位符 2">
-            <a:extLst>
-              <a:ext uri="{FF2B5EF4-FFF2-40B4-BE49-F238E27FC236}">
-                <a16:creationId xmlns:a16="http://schemas.microsoft.com/office/drawing/2014/main" id="{7E7CBDEB-89B7-46ED-A3FB-5045CDE3EA2A}"/>
-              </a:ext>
-            </a:extLst>
-          </p:cNvPr>
+            <a:endParaRPr lang="zh-CN" altLang="en-US" sz="3200" dirty="0">
+              <a:solidFill>
+                <a:srgbClr val="0070C0"/>
+              </a:solidFill>
+              <a:latin typeface="Times New Roman" panose="02020603050405020304" pitchFamily="18" charset="0"/>
+              <a:ea typeface="宋体" panose="02010600030101010101" pitchFamily="2" charset="-122"/>
+              <a:cs typeface="Times New Roman" panose="02020603050405020304" pitchFamily="18" charset="0"/>
+            </a:endParaRPr>
+          </a:p>
+        </p:txBody>
+      </p:sp>
+      <p:sp>
+        <p:nvSpPr>
+          <p:cNvPr id="3" name="内容占位符 2"/>
           <p:cNvSpPr>
             <a:spLocks noGrp="1"/>
           </p:cNvSpPr>
@@ -6706,6 +6566,11 @@
               </a:rPr>
               <a:t>万 </a:t>
             </a:r>
+            <a:endParaRPr lang="zh-CN" altLang="en-US" dirty="0">
+              <a:latin typeface="Times New Roman" panose="02020603050405020304" pitchFamily="18" charset="0"/>
+              <a:ea typeface="宋体" panose="02010600030101010101" pitchFamily="2" charset="-122"/>
+              <a:cs typeface="Times New Roman" panose="02020603050405020304" pitchFamily="18" charset="0"/>
+            </a:endParaRPr>
           </a:p>
           <a:p>
             <a:pPr marL="0" indent="0">
@@ -6719,6 +6584,11 @@
               </a:rPr>
               <a:t>const int MIN = 0;</a:t>
             </a:r>
+            <a:endParaRPr lang="en-US" altLang="zh-CN" dirty="0">
+              <a:latin typeface="Times New Roman" panose="02020603050405020304" pitchFamily="18" charset="0"/>
+              <a:ea typeface="宋体" panose="02010600030101010101" pitchFamily="2" charset="-122"/>
+              <a:cs typeface="Times New Roman" panose="02020603050405020304" pitchFamily="18" charset="0"/>
+            </a:endParaRPr>
           </a:p>
           <a:p>
             <a:pPr marL="0" indent="0">
@@ -6800,13 +6670,7 @@
       </p:sp>
       <p:sp>
         <p:nvSpPr>
-          <p:cNvPr id="4" name="页脚占位符 3">
-            <a:extLst>
-              <a:ext uri="{FF2B5EF4-FFF2-40B4-BE49-F238E27FC236}">
-                <a16:creationId xmlns:a16="http://schemas.microsoft.com/office/drawing/2014/main" id="{DABFB563-51B2-48DC-860F-1199B681F9F5}"/>
-              </a:ext>
-            </a:extLst>
-          </p:cNvPr>
+          <p:cNvPr id="4" name="页脚占位符 3"/>
           <p:cNvSpPr>
             <a:spLocks noGrp="1"/>
           </p:cNvSpPr>
@@ -6827,15 +6691,15 @@
               </a:rPr>
               <a:t>华东理工大学 罗勇军</a:t>
             </a:r>
+            <a:endParaRPr lang="zh-CN" altLang="en-US">
+              <a:latin typeface="Times New Roman" panose="02020603050405020304" pitchFamily="18" charset="0"/>
+              <a:ea typeface="宋体" panose="02010600030101010101" pitchFamily="2" charset="-122"/>
+              <a:cs typeface="Times New Roman" panose="02020603050405020304" pitchFamily="18" charset="0"/>
+            </a:endParaRPr>
           </a:p>
         </p:txBody>
       </p:sp>
     </p:spTree>
-    <p:extLst>
-      <p:ext uri="{BB962C8B-B14F-4D97-AF65-F5344CB8AC3E}">
-        <p14:creationId xmlns:p14="http://schemas.microsoft.com/office/powerpoint/2010/main" val="824686269"/>
-      </p:ext>
-    </p:extLst>
   </p:cSld>
   <p:clrMapOvr>
     <a:masterClrMapping/>
@@ -6862,13 +6726,7 @@
       </p:grpSpPr>
       <p:sp>
         <p:nvSpPr>
-          <p:cNvPr id="2" name="标题 1">
-            <a:extLst>
-              <a:ext uri="{FF2B5EF4-FFF2-40B4-BE49-F238E27FC236}">
-                <a16:creationId xmlns:a16="http://schemas.microsoft.com/office/drawing/2014/main" id="{DE6FF1A9-6069-43F6-84FE-4FACC5677CA1}"/>
-              </a:ext>
-            </a:extLst>
-          </p:cNvPr>
+          <p:cNvPr id="2" name="标题 1"/>
           <p:cNvSpPr>
             <a:spLocks noGrp="1"/>
           </p:cNvSpPr>
@@ -6922,18 +6780,19 @@
               </a:rPr>
               <a:t>：如何去掉重复的随机数</a:t>
             </a:r>
-          </a:p>
-        </p:txBody>
-      </p:sp>
-      <p:sp>
-        <p:nvSpPr>
-          <p:cNvPr id="3" name="内容占位符 2">
-            <a:extLst>
-              <a:ext uri="{FF2B5EF4-FFF2-40B4-BE49-F238E27FC236}">
-                <a16:creationId xmlns:a16="http://schemas.microsoft.com/office/drawing/2014/main" id="{7B754062-E8E7-4F1C-9A7D-A3D2C77F759C}"/>
-              </a:ext>
-            </a:extLst>
-          </p:cNvPr>
+            <a:endParaRPr lang="zh-CN" altLang="en-US" sz="3600" dirty="0">
+              <a:solidFill>
+                <a:srgbClr val="0070C0"/>
+              </a:solidFill>
+              <a:latin typeface="宋体" panose="02010600030101010101" pitchFamily="2" charset="-122"/>
+              <a:ea typeface="宋体" panose="02010600030101010101" pitchFamily="2" charset="-122"/>
+            </a:endParaRPr>
+          </a:p>
+        </p:txBody>
+      </p:sp>
+      <p:sp>
+        <p:nvSpPr>
+          <p:cNvPr id="3" name="内容占位符 2"/>
           <p:cNvSpPr>
             <a:spLocks noGrp="1"/>
           </p:cNvSpPr>
@@ -7080,14 +6939,14 @@
                 <a:latin typeface="宋体" panose="02010600030101010101" pitchFamily="2" charset="-122"/>
                 <a:ea typeface="宋体" panose="02010600030101010101" pitchFamily="2" charset="-122"/>
               </a:rPr>
-              <a:t>，这个方法的问题是：产生的随机数都</a:t>
+              <a:t>，这个方法的问题是：产生的随机数都在</a:t>
             </a:r>
             <a:r>
               <a:rPr lang="en-US" altLang="zh-CN" dirty="0">
                 <a:latin typeface="宋体" panose="02010600030101010101" pitchFamily="2" charset="-122"/>
                 <a:ea typeface="宋体" panose="02010600030101010101" pitchFamily="2" charset="-122"/>
               </a:rPr>
-              <a:t> [0,100</a:t>
+              <a:t>[0,100</a:t>
             </a:r>
             <a:r>
               <a:rPr lang="zh-CN" altLang="en-US" dirty="0">
@@ -7147,13 +7006,7 @@
       </p:sp>
       <p:sp>
         <p:nvSpPr>
-          <p:cNvPr id="4" name="页脚占位符 3">
-            <a:extLst>
-              <a:ext uri="{FF2B5EF4-FFF2-40B4-BE49-F238E27FC236}">
-                <a16:creationId xmlns:a16="http://schemas.microsoft.com/office/drawing/2014/main" id="{4FB44CC9-A572-463C-B93D-2403BB0E9621}"/>
-              </a:ext>
-            </a:extLst>
-          </p:cNvPr>
+          <p:cNvPr id="4" name="页脚占位符 3"/>
           <p:cNvSpPr>
             <a:spLocks noGrp="1"/>
           </p:cNvSpPr>
@@ -7173,15 +7026,14 @@
               </a:rPr>
               <a:t>华东理工大学 罗勇军</a:t>
             </a:r>
+            <a:endParaRPr lang="zh-CN" altLang="en-US">
+              <a:latin typeface="宋体" panose="02010600030101010101" pitchFamily="2" charset="-122"/>
+              <a:ea typeface="宋体" panose="02010600030101010101" pitchFamily="2" charset="-122"/>
+            </a:endParaRPr>
           </a:p>
         </p:txBody>
       </p:sp>
     </p:spTree>
-    <p:extLst>
-      <p:ext uri="{BB962C8B-B14F-4D97-AF65-F5344CB8AC3E}">
-        <p14:creationId xmlns:p14="http://schemas.microsoft.com/office/powerpoint/2010/main" val="1969854513"/>
-      </p:ext>
-    </p:extLst>
   </p:cSld>
   <p:clrMapOvr>
     <a:masterClrMapping/>
@@ -7208,13 +7060,7 @@
       </p:grpSpPr>
       <p:sp>
         <p:nvSpPr>
-          <p:cNvPr id="2" name="标题 1">
-            <a:extLst>
-              <a:ext uri="{FF2B5EF4-FFF2-40B4-BE49-F238E27FC236}">
-                <a16:creationId xmlns:a16="http://schemas.microsoft.com/office/drawing/2014/main" id="{DE6FF1A9-6069-43F6-84FE-4FACC5677CA1}"/>
-              </a:ext>
-            </a:extLst>
-          </p:cNvPr>
+          <p:cNvPr id="2" name="标题 1"/>
           <p:cNvSpPr>
             <a:spLocks noGrp="1"/>
           </p:cNvSpPr>
@@ -7265,18 +7111,19 @@
               </a:rPr>
               <a:t>判重和去重</a:t>
             </a:r>
-          </a:p>
-        </p:txBody>
-      </p:sp>
-      <p:sp>
-        <p:nvSpPr>
-          <p:cNvPr id="3" name="内容占位符 2">
-            <a:extLst>
-              <a:ext uri="{FF2B5EF4-FFF2-40B4-BE49-F238E27FC236}">
-                <a16:creationId xmlns:a16="http://schemas.microsoft.com/office/drawing/2014/main" id="{7B754062-E8E7-4F1C-9A7D-A3D2C77F759C}"/>
-              </a:ext>
-            </a:extLst>
-          </p:cNvPr>
+            <a:endParaRPr lang="zh-CN" altLang="en-US" sz="3600" dirty="0">
+              <a:solidFill>
+                <a:srgbClr val="0070C0"/>
+              </a:solidFill>
+              <a:latin typeface="宋体" panose="02010600030101010101" pitchFamily="2" charset="-122"/>
+              <a:ea typeface="宋体" panose="02010600030101010101" pitchFamily="2" charset="-122"/>
+            </a:endParaRPr>
+          </a:p>
+        </p:txBody>
+      </p:sp>
+      <p:sp>
+        <p:nvSpPr>
+          <p:cNvPr id="3" name="内容占位符 2"/>
           <p:cNvSpPr>
             <a:spLocks noGrp="1"/>
           </p:cNvSpPr>
@@ -7551,6 +7398,11 @@
               </a:rPr>
               <a:t>]=1;            </a:t>
             </a:r>
+            <a:endParaRPr lang="en-US" altLang="zh-CN" dirty="0">
+              <a:latin typeface="Times New Roman" panose="02020603050405020304" pitchFamily="18" charset="0"/>
+              <a:ea typeface="宋体" panose="02010600030101010101" pitchFamily="2" charset="-122"/>
+              <a:cs typeface="Times New Roman" panose="02020603050405020304" pitchFamily="18" charset="0"/>
+            </a:endParaRPr>
           </a:p>
           <a:p>
             <a:pPr marL="0" indent="0">
@@ -7702,65 +7554,69 @@
               </a:rPr>
               <a:t>记录随机数</a:t>
             </a:r>
-          </a:p>
-          <a:p>
-            <a:pPr marL="0" indent="0">
-              <a:buNone/>
-            </a:pPr>
-            <a:r>
-              <a:rPr lang="zh-CN" altLang="en-US" dirty="0">
-                <a:latin typeface="Times New Roman" panose="02020603050405020304" pitchFamily="18" charset="0"/>
-                <a:ea typeface="宋体" panose="02010600030101010101" pitchFamily="2" charset="-122"/>
-                <a:cs typeface="Times New Roman" panose="02020603050405020304" pitchFamily="18" charset="0"/>
-              </a:rPr>
-              <a:t>     </a:t>
-            </a:r>
-            <a:r>
-              <a:rPr lang="en-US" altLang="zh-CN" dirty="0">
-                <a:latin typeface="Times New Roman" panose="02020603050405020304" pitchFamily="18" charset="0"/>
-                <a:ea typeface="宋体" panose="02010600030101010101" pitchFamily="2" charset="-122"/>
-                <a:cs typeface="Times New Roman" panose="02020603050405020304" pitchFamily="18" charset="0"/>
-              </a:rPr>
-              <a:t>num++;                                     //</a:t>
-            </a:r>
-            <a:r>
-              <a:rPr lang="zh-CN" altLang="en-US" dirty="0">
-                <a:latin typeface="Times New Roman" panose="02020603050405020304" pitchFamily="18" charset="0"/>
-                <a:ea typeface="宋体" panose="02010600030101010101" pitchFamily="2" charset="-122"/>
-                <a:cs typeface="Times New Roman" panose="02020603050405020304" pitchFamily="18" charset="0"/>
-              </a:rPr>
-              <a:t>记录随机数的数量</a:t>
-            </a:r>
-          </a:p>
-          <a:p>
-            <a:pPr marL="0" indent="0">
-              <a:buNone/>
-            </a:pPr>
-            <a:r>
-              <a:rPr lang="en-US" altLang="zh-CN" dirty="0">
-                <a:latin typeface="Times New Roman" panose="02020603050405020304" pitchFamily="18" charset="0"/>
-                <a:ea typeface="宋体" panose="02010600030101010101" pitchFamily="2" charset="-122"/>
-                <a:cs typeface="Times New Roman" panose="02020603050405020304" pitchFamily="18" charset="0"/>
-              </a:rPr>
-              <a:t>}</a:t>
-            </a:r>
             <a:endParaRPr lang="zh-CN" altLang="en-US" dirty="0">
               <a:latin typeface="Times New Roman" panose="02020603050405020304" pitchFamily="18" charset="0"/>
               <a:ea typeface="宋体" panose="02010600030101010101" pitchFamily="2" charset="-122"/>
               <a:cs typeface="Times New Roman" panose="02020603050405020304" pitchFamily="18" charset="0"/>
             </a:endParaRPr>
           </a:p>
-        </p:txBody>
-      </p:sp>
-      <p:sp>
-        <p:nvSpPr>
-          <p:cNvPr id="4" name="页脚占位符 3">
-            <a:extLst>
-              <a:ext uri="{FF2B5EF4-FFF2-40B4-BE49-F238E27FC236}">
-                <a16:creationId xmlns:a16="http://schemas.microsoft.com/office/drawing/2014/main" id="{29C9813E-D410-4C38-97F8-AFFC8910AC26}"/>
-              </a:ext>
-            </a:extLst>
-          </p:cNvPr>
+          <a:p>
+            <a:pPr marL="0" indent="0">
+              <a:buNone/>
+            </a:pPr>
+            <a:r>
+              <a:rPr lang="zh-CN" altLang="en-US" dirty="0">
+                <a:latin typeface="Times New Roman" panose="02020603050405020304" pitchFamily="18" charset="0"/>
+                <a:ea typeface="宋体" panose="02010600030101010101" pitchFamily="2" charset="-122"/>
+                <a:cs typeface="Times New Roman" panose="02020603050405020304" pitchFamily="18" charset="0"/>
+              </a:rPr>
+              <a:t>     </a:t>
+            </a:r>
+            <a:r>
+              <a:rPr lang="en-US" altLang="zh-CN" dirty="0">
+                <a:latin typeface="Times New Roman" panose="02020603050405020304" pitchFamily="18" charset="0"/>
+                <a:ea typeface="宋体" panose="02010600030101010101" pitchFamily="2" charset="-122"/>
+                <a:cs typeface="Times New Roman" panose="02020603050405020304" pitchFamily="18" charset="0"/>
+              </a:rPr>
+              <a:t>num++;                                     //</a:t>
+            </a:r>
+            <a:r>
+              <a:rPr lang="zh-CN" altLang="en-US" dirty="0">
+                <a:latin typeface="Times New Roman" panose="02020603050405020304" pitchFamily="18" charset="0"/>
+                <a:ea typeface="宋体" panose="02010600030101010101" pitchFamily="2" charset="-122"/>
+                <a:cs typeface="Times New Roman" panose="02020603050405020304" pitchFamily="18" charset="0"/>
+              </a:rPr>
+              <a:t>记录随机数的数量</a:t>
+            </a:r>
+            <a:endParaRPr lang="zh-CN" altLang="en-US" dirty="0">
+              <a:latin typeface="Times New Roman" panose="02020603050405020304" pitchFamily="18" charset="0"/>
+              <a:ea typeface="宋体" panose="02010600030101010101" pitchFamily="2" charset="-122"/>
+              <a:cs typeface="Times New Roman" panose="02020603050405020304" pitchFamily="18" charset="0"/>
+            </a:endParaRPr>
+          </a:p>
+          <a:p>
+            <a:pPr marL="0" indent="0">
+              <a:buNone/>
+            </a:pPr>
+            <a:r>
+              <a:rPr lang="en-US" altLang="zh-CN" dirty="0">
+                <a:latin typeface="Times New Roman" panose="02020603050405020304" pitchFamily="18" charset="0"/>
+                <a:ea typeface="宋体" panose="02010600030101010101" pitchFamily="2" charset="-122"/>
+                <a:cs typeface="Times New Roman" panose="02020603050405020304" pitchFamily="18" charset="0"/>
+              </a:rPr>
+              <a:t>}</a:t>
+            </a:r>
+            <a:endParaRPr lang="zh-CN" altLang="en-US" dirty="0">
+              <a:latin typeface="Times New Roman" panose="02020603050405020304" pitchFamily="18" charset="0"/>
+              <a:ea typeface="宋体" panose="02010600030101010101" pitchFamily="2" charset="-122"/>
+              <a:cs typeface="Times New Roman" panose="02020603050405020304" pitchFamily="18" charset="0"/>
+            </a:endParaRPr>
+          </a:p>
+        </p:txBody>
+      </p:sp>
+      <p:sp>
+        <p:nvSpPr>
+          <p:cNvPr id="4" name="页脚占位符 3"/>
           <p:cNvSpPr>
             <a:spLocks noGrp="1"/>
           </p:cNvSpPr>
@@ -7777,15 +7633,11 @@
               <a:rPr lang="zh-CN" altLang="en-US"/>
               <a:t>华东理工大学 罗勇军</a:t>
             </a:r>
+            <a:endParaRPr lang="zh-CN" altLang="en-US"/>
           </a:p>
         </p:txBody>
       </p:sp>
     </p:spTree>
-    <p:extLst>
-      <p:ext uri="{BB962C8B-B14F-4D97-AF65-F5344CB8AC3E}">
-        <p14:creationId xmlns:p14="http://schemas.microsoft.com/office/powerpoint/2010/main" val="3476120880"/>
-      </p:ext>
-    </p:extLst>
   </p:cSld>
   <p:clrMapOvr>
     <a:masterClrMapping/>
@@ -7812,13 +7664,7 @@
       </p:grpSpPr>
       <p:sp>
         <p:nvSpPr>
-          <p:cNvPr id="3" name="内容占位符 2">
-            <a:extLst>
-              <a:ext uri="{FF2B5EF4-FFF2-40B4-BE49-F238E27FC236}">
-                <a16:creationId xmlns:a16="http://schemas.microsoft.com/office/drawing/2014/main" id="{497B83A6-4363-4BC6-AA24-DD8F22915B7D}"/>
-              </a:ext>
-            </a:extLst>
-          </p:cNvPr>
+          <p:cNvPr id="3" name="内容占位符 2"/>
           <p:cNvSpPr>
             <a:spLocks noGrp="1"/>
           </p:cNvSpPr>
@@ -7905,18 +7751,16 @@
               </a:rPr>
               <a:t>万个不重复。</a:t>
             </a:r>
-          </a:p>
-        </p:txBody>
-      </p:sp>
-      <p:sp>
-        <p:nvSpPr>
-          <p:cNvPr id="5" name="页脚占位符 4">
-            <a:extLst>
-              <a:ext uri="{FF2B5EF4-FFF2-40B4-BE49-F238E27FC236}">
-                <a16:creationId xmlns:a16="http://schemas.microsoft.com/office/drawing/2014/main" id="{2AFEA7B6-0BEF-478B-AF74-250B5C764E8F}"/>
-              </a:ext>
-            </a:extLst>
-          </p:cNvPr>
+            <a:endParaRPr lang="zh-CN" altLang="en-US" dirty="0">
+              <a:latin typeface="宋体" panose="02010600030101010101" pitchFamily="2" charset="-122"/>
+              <a:ea typeface="宋体" panose="02010600030101010101" pitchFamily="2" charset="-122"/>
+            </a:endParaRPr>
+          </a:p>
+        </p:txBody>
+      </p:sp>
+      <p:sp>
+        <p:nvSpPr>
+          <p:cNvPr id="5" name="页脚占位符 4"/>
           <p:cNvSpPr>
             <a:spLocks noGrp="1"/>
           </p:cNvSpPr>
@@ -7933,28 +7777,17 @@
               <a:rPr lang="zh-CN" altLang="en-US"/>
               <a:t>华东理工大学 罗勇军</a:t>
             </a:r>
+            <a:endParaRPr lang="zh-CN" altLang="en-US"/>
           </a:p>
         </p:txBody>
       </p:sp>
       <p:graphicFrame>
         <p:nvGraphicFramePr>
-          <p:cNvPr id="2" name="对象 1">
-            <a:extLst>
-              <a:ext uri="{FF2B5EF4-FFF2-40B4-BE49-F238E27FC236}">
-                <a16:creationId xmlns:a16="http://schemas.microsoft.com/office/drawing/2014/main" id="{F4DA004F-E27E-4EFD-85A4-9CCF2F492945}"/>
-              </a:ext>
-            </a:extLst>
-          </p:cNvPr>
+          <p:cNvPr id="2" name="对象 1"/>
           <p:cNvGraphicFramePr>
             <a:graphicFrameLocks noChangeAspect="1"/>
           </p:cNvGraphicFramePr>
-          <p:nvPr>
-            <p:extLst>
-              <p:ext uri="{D42A27DB-BD31-4B8C-83A1-F6EECF244321}">
-                <p14:modId xmlns:p14="http://schemas.microsoft.com/office/powerpoint/2010/main" val="1541641577"/>
-              </p:ext>
-            </p:extLst>
-          </p:nvPr>
+          <p:nvPr/>
         </p:nvGraphicFramePr>
         <p:xfrm>
           <a:off x="5594034" y="1363980"/>
@@ -7964,21 +7797,21 @@
           <a:graphicData uri="http://schemas.openxmlformats.org/presentationml/2006/ole">
             <mc:AlternateContent xmlns:mc="http://schemas.openxmlformats.org/markup-compatibility/2006">
               <mc:Choice xmlns:v="urn:schemas-microsoft-com:vml" Requires="v">
-                <p:oleObj spid="_x0000_s1203" name="包装程序外壳对象" showAsIcon="1" r:id="rId3" imgW="2158200" imgH="896760" progId="Package">
+                <p:oleObj spid="_x0000_s1203" name="包装程序外壳对象" showAsIcon="1" r:id="rId1" imgW="2095500" imgH="895350" progId="Package">
                   <p:embed/>
                 </p:oleObj>
               </mc:Choice>
               <mc:Fallback>
-                <p:oleObj name="包装程序外壳对象" showAsIcon="1" r:id="rId3" imgW="2158200" imgH="896760" progId="Package">
+                <p:oleObj name="包装程序外壳对象" showAsIcon="1" r:id="rId1" imgW="2095500" imgH="895350" progId="Package">
                   <p:embed/>
                   <p:pic>
                     <p:nvPicPr>
-                      <p:cNvPr id="0" name=""/>
+                      <p:cNvPr id="0" name="图片 1202"/>
                       <p:cNvPicPr/>
                       <p:nvPr/>
                     </p:nvPicPr>
                     <p:blipFill>
-                      <a:blip r:embed="rId4"/>
+                      <a:blip r:embed="rId2"/>
                       <a:stretch>
                         <a:fillRect/>
                       </a:stretch>
@@ -8000,11 +7833,6 @@
         </a:graphic>
       </p:graphicFrame>
     </p:spTree>
-    <p:extLst>
-      <p:ext uri="{BB962C8B-B14F-4D97-AF65-F5344CB8AC3E}">
-        <p14:creationId xmlns:p14="http://schemas.microsoft.com/office/powerpoint/2010/main" val="354233977"/>
-      </p:ext>
-    </p:extLst>
   </p:cSld>
   <p:clrMapOvr>
     <a:masterClrMapping/>
@@ -8055,7 +7883,7 @@
     </a:clrScheme>
     <a:fontScheme name="Office 主题​​">
       <a:majorFont>
-        <a:latin typeface="Calibri Light" panose="020F0302020204030204"/>
+        <a:latin typeface="Calibri Light"/>
         <a:ea typeface=""/>
         <a:cs typeface=""/>
         <a:font script="Jpan" typeface="游ゴシック Light"/>
@@ -8090,7 +7918,7 @@
         <a:font script="Geor" typeface="Sylfaen"/>
       </a:majorFont>
       <a:minorFont>
-        <a:latin typeface="Calibri" panose="020F0502020204030204"/>
+        <a:latin typeface="Calibri"/>
         <a:ea typeface=""/>
         <a:cs typeface=""/>
         <a:font script="Jpan" typeface="游ゴシック"/>
@@ -8263,8 +8091,6 @@
       </a:bgFillStyleLst>
     </a:fmtScheme>
   </a:themeElements>
-  <a:objectDefaults/>
-  <a:extraClrSchemeLst/>
   <a:extLst>
     <a:ext uri="{05A4C25C-085E-4340-85A3-A5531E510DB2}">
       <thm15:themeFamily xmlns:thm15="http://schemas.microsoft.com/office/thememl/2012/main" name="Office Theme" id="{62F939B6-93AF-4DB8-9C6B-D6C7DFDC589F}" vid="{4A3C46E8-61CC-4603-A589-7422A47A8E4A}"/>
@@ -8316,7 +8142,7 @@
     </a:clrScheme>
     <a:fontScheme name="Office">
       <a:majorFont>
-        <a:latin typeface="等线 Light" panose="020F0302020204030204"/>
+        <a:latin typeface="等线 Light"/>
         <a:ea typeface=""/>
         <a:cs typeface=""/>
         <a:font script="Jpan" typeface="游ゴシック Light"/>
@@ -8349,26 +8175,9 @@
         <a:font script="Viet" typeface="Times New Roman"/>
         <a:font script="Uigh" typeface="Microsoft Uighur"/>
         <a:font script="Geor" typeface="Sylfaen"/>
-        <a:font script="Armn" typeface="Arial"/>
-        <a:font script="Bugi" typeface="Leelawadee UI"/>
-        <a:font script="Bopo" typeface="Microsoft JhengHei"/>
-        <a:font script="Java" typeface="Javanese Text"/>
-        <a:font script="Lisu" typeface="Segoe UI"/>
-        <a:font script="Mymr" typeface="Myanmar Text"/>
-        <a:font script="Nkoo" typeface="Ebrima"/>
-        <a:font script="Olck" typeface="Nirmala UI"/>
-        <a:font script="Osma" typeface="Ebrima"/>
-        <a:font script="Phag" typeface="Phagspa"/>
-        <a:font script="Syrn" typeface="Estrangelo Edessa"/>
-        <a:font script="Syrj" typeface="Estrangelo Edessa"/>
-        <a:font script="Syre" typeface="Estrangelo Edessa"/>
-        <a:font script="Sora" typeface="Nirmala UI"/>
-        <a:font script="Tale" typeface="Microsoft Tai Le"/>
-        <a:font script="Talu" typeface="Microsoft New Tai Lue"/>
-        <a:font script="Tfng" typeface="Ebrima"/>
       </a:majorFont>
       <a:minorFont>
-        <a:latin typeface="等线" panose="020F0502020204030204"/>
+        <a:latin typeface="等线"/>
         <a:ea typeface=""/>
         <a:cs typeface=""/>
         <a:font script="Jpan" typeface="游ゴシック"/>
@@ -8401,23 +8210,6 @@
         <a:font script="Viet" typeface="Arial"/>
         <a:font script="Uigh" typeface="Microsoft Uighur"/>
         <a:font script="Geor" typeface="Sylfaen"/>
-        <a:font script="Armn" typeface="Arial"/>
-        <a:font script="Bugi" typeface="Leelawadee UI"/>
-        <a:font script="Bopo" typeface="Microsoft JhengHei"/>
-        <a:font script="Java" typeface="Javanese Text"/>
-        <a:font script="Lisu" typeface="Segoe UI"/>
-        <a:font script="Mymr" typeface="Myanmar Text"/>
-        <a:font script="Nkoo" typeface="Ebrima"/>
-        <a:font script="Olck" typeface="Nirmala UI"/>
-        <a:font script="Osma" typeface="Ebrima"/>
-        <a:font script="Phag" typeface="Phagspa"/>
-        <a:font script="Syrn" typeface="Estrangelo Edessa"/>
-        <a:font script="Syrj" typeface="Estrangelo Edessa"/>
-        <a:font script="Syre" typeface="Estrangelo Edessa"/>
-        <a:font script="Sora" typeface="Nirmala UI"/>
-        <a:font script="Tale" typeface="Microsoft Tai Le"/>
-        <a:font script="Talu" typeface="Microsoft New Tai Lue"/>
-        <a:font script="Tfng" typeface="Ebrima"/>
       </a:minorFont>
     </a:fontScheme>
     <a:fmtScheme name="Office">
@@ -8558,8 +8350,6 @@
       </a:bgFillStyleLst>
     </a:fmtScheme>
   </a:themeElements>
-  <a:objectDefaults/>
-  <a:extraClrSchemeLst/>
   <a:extLst>
     <a:ext uri="{05A4C25C-085E-4340-85A3-A5531E510DB2}">
       <thm15:themeFamily xmlns:thm15="http://schemas.microsoft.com/office/thememl/2012/main" name="Office Theme" id="{62F939B6-93AF-4DB8-9C6B-D6C7DFDC589F}" vid="{4A3C46E8-61CC-4603-A589-7422A47A8E4A}"/>
